--- a/01_ModelisationMultiphysique/Administratif/SCIL1_PPT.pptx
+++ b/01_ModelisationMultiphysique/Administratif/SCIL1_PPT.pptx
@@ -683,15 +683,11 @@
             </a:r>
             <a:r>
               <a:rPr lang="fr-FR" baseline="0" dirty="0" smtClean="0"/>
-              <a:t> formation d’une journée propose d’acquérir des connaissances complémentaires sur l’Ingénierie Systèmes en général et sur le langage SysML en Particulier. Des exemples seront présentés (et </a:t>
-            </a:r>
-            <a:r>
-              <a:rPr lang="fr-FR" baseline="0" dirty="0" err="1" smtClean="0"/>
-              <a:t>constuits</a:t>
+              <a:t> formation d’une journée propose </a:t>
             </a:r>
             <a:r>
               <a:rPr lang="fr-FR" baseline="0" dirty="0" smtClean="0"/>
-              <a:t>) en utilisant le logiciel MagicDraw. </a:t>
+              <a:t>de découvrir la modélisation multiphysique en s’appuyant sur le logiciel Scilab ainsi que son module XCOS.</a:t>
             </a:r>
           </a:p>
           <a:p>
@@ -780,72 +776,41 @@
           <a:lstStyle/>
           <a:p>
             <a:r>
-              <a:rPr lang="fr-FR" dirty="0" smtClean="0"/>
-              <a:t>L’</a:t>
-            </a:r>
-            <a:r>
-              <a:rPr lang="fr-FR" dirty="0" err="1" smtClean="0"/>
-              <a:t>ingéniérie</a:t>
-            </a:r>
-            <a:r>
-              <a:rPr lang="fr-FR" dirty="0" smtClean="0"/>
-              <a:t> Systèmes est</a:t>
-            </a:r>
-            <a:r>
               <a:rPr lang="fr-FR" baseline="0" dirty="0" smtClean="0"/>
-              <a:t> (entre autre) décrite par la norme 15288. </a:t>
+              <a:t>La modélisation multiphysique permet de simuler le comportement de systèmes qui sont régis par différents champs de la physique : </a:t>
             </a:r>
           </a:p>
           <a:p>
             <a:r>
               <a:rPr lang="fr-FR" baseline="0" dirty="0" smtClean="0"/>
-              <a:t>Elle définit 3 processus pour concevoir un système : </a:t>
-            </a:r>
-          </a:p>
-          <a:p>
-            <a:pPr marL="228600" indent="-228600">
-              <a:buAutoNum type="arabicPeriod"/>
-            </a:pPr>
+              <a:t> - électronique et électrotechnique, mécanique, hydraulique, thermique etc.</a:t>
+            </a:r>
+          </a:p>
+          <a:p>
+            <a:endParaRPr lang="fr-FR" baseline="0" dirty="0" smtClean="0"/>
+          </a:p>
+          <a:p>
             <a:r>
               <a:rPr lang="fr-FR" baseline="0" dirty="0" smtClean="0"/>
-              <a:t>Au cours du premier processus, sont définis les besoins des parties prenantes. </a:t>
-            </a:r>
-          </a:p>
-          <a:p>
-            <a:pPr marL="228600" indent="-228600">
-              <a:buAutoNum type="arabicPeriod"/>
-            </a:pPr>
+              <a:t>Ainsi dans cet exemple possible de modéliser toutes les composantes d’un moteur à courant continu à savoir les parties électriques, </a:t>
+            </a:r>
+            <a:r>
+              <a:rPr lang="fr-FR" baseline="0" dirty="0" err="1" smtClean="0"/>
+              <a:t>életrotechniques</a:t>
+            </a:r>
             <a:r>
               <a:rPr lang="fr-FR" baseline="0" dirty="0" smtClean="0"/>
-              <a:t>L’analyse des exigences permet ensuite de faire le bilan de ce qui est attendu par le produit.</a:t>
-            </a:r>
-          </a:p>
-          <a:p>
-            <a:pPr marL="228600" indent="-228600">
-              <a:buAutoNum type="arabicPeriod"/>
-            </a:pPr>
+              <a:t> et mécaniques. </a:t>
+            </a:r>
+          </a:p>
+          <a:p>
             <a:r>
               <a:rPr lang="fr-FR" baseline="0" dirty="0" smtClean="0"/>
-              <a:t>On réfléchit ensuite à l’architecture du produit. </a:t>
-            </a:r>
-          </a:p>
-          <a:p>
-            <a:pPr marL="0" indent="0">
-              <a:buNone/>
-            </a:pPr>
-            <a:r>
-              <a:rPr lang="fr-FR" baseline="0" dirty="0" smtClean="0"/>
-              <a:t>Cette norme ne précise pas de langage de communication pour réaliser un cahier des charges. Ceci-dit, il est possible de le bâtir en utilisant les diagrammes SysML. </a:t>
-            </a:r>
-          </a:p>
-          <a:p>
-            <a:pPr marL="0" indent="0">
-              <a:buNone/>
-            </a:pPr>
-            <a:r>
-              <a:rPr lang="fr-FR" baseline="0" dirty="0" smtClean="0"/>
-              <a:t>Dans une logique de conception, les diagrammes ne sont pas rédigés les uns avec les autres mais pas couches successives et en les enrichissants au fur et à mesure. </a:t>
-            </a:r>
+              <a:t>Il est aussi possible de modéliser de façon précise la commande. </a:t>
+            </a:r>
+          </a:p>
+          <a:p>
+            <a:endParaRPr lang="fr-FR" baseline="0" dirty="0" smtClean="0"/>
           </a:p>
         </p:txBody>
       </p:sp>
@@ -931,11 +896,41 @@
           <a:p>
             <a:r>
               <a:rPr lang="fr-FR" dirty="0" smtClean="0"/>
-              <a:t>Pour notre</a:t>
+              <a:t>On</a:t>
             </a:r>
             <a:r>
               <a:rPr lang="fr-FR" baseline="0" dirty="0" smtClean="0"/>
-              <a:t> utilisation pédagogique, nous avons choisi d’utiliser MagicDraw. Nous avons fait ce choix car c’est celui qui a été fait par une grande partie de nos collègues de CPGE et qu’il nous est plus facile ainsi de partager nos documents. </a:t>
+              <a:t> a choisi ici d’utiliser le logiciel </a:t>
+            </a:r>
+            <a:r>
+              <a:rPr lang="fr-FR" baseline="0" dirty="0" err="1" smtClean="0"/>
+              <a:t>Scialb</a:t>
+            </a:r>
+            <a:r>
+              <a:rPr lang="fr-FR" baseline="0" dirty="0" smtClean="0"/>
+              <a:t> – </a:t>
+            </a:r>
+            <a:r>
+              <a:rPr lang="fr-FR" baseline="0" dirty="0" err="1" smtClean="0"/>
+              <a:t>Xcos</a:t>
+            </a:r>
+            <a:r>
+              <a:rPr lang="fr-FR" baseline="0" dirty="0" smtClean="0"/>
+              <a:t> car en terme de modélisation des systèmes multiphysique, il est en adéquation avec les besoins des programmes des filières SSI et STI2D. </a:t>
+            </a:r>
+          </a:p>
+          <a:p>
+            <a:r>
+              <a:rPr lang="fr-FR" baseline="0" dirty="0" smtClean="0"/>
+              <a:t>Au cours de la formation, après avoir présenté une vision de la modélisation multiphysique, les participants seront initiés à l’utilisation de Scilab et de </a:t>
+            </a:r>
+            <a:r>
+              <a:rPr lang="fr-FR" baseline="0" dirty="0" err="1" smtClean="0"/>
+              <a:t>xcos</a:t>
+            </a:r>
+            <a:r>
+              <a:rPr lang="fr-FR" baseline="0" dirty="0" smtClean="0"/>
+              <a:t>. </a:t>
             </a:r>
           </a:p>
           <a:p>
@@ -944,21 +939,10 @@
           <a:p>
             <a:r>
               <a:rPr lang="fr-FR" baseline="0" dirty="0" smtClean="0"/>
-              <a:t>Même si MD ne corrige pas toujours les fautes de syntaxe que l’on peut réaliser, il permet dans un certain nombre de cas de construire des diagrammes de façon méthodique avec des liens entre les diagrammes. </a:t>
-            </a:r>
-          </a:p>
-          <a:p>
-            <a:endParaRPr lang="fr-FR" dirty="0" smtClean="0"/>
-          </a:p>
-          <a:p>
-            <a:r>
-              <a:rPr lang="fr-FR" dirty="0" smtClean="0"/>
-              <a:t>Il met</a:t>
-            </a:r>
-            <a:r>
-              <a:rPr lang="fr-FR" baseline="0" dirty="0" smtClean="0"/>
-              <a:t> également à jour les diagrammes automatiquement lorsqu’une certaine rigueur est adoptée.</a:t>
-            </a:r>
+              <a:t>Dans un second temps, des applications pédagogiques seront proposées. </a:t>
+            </a:r>
+          </a:p>
+          <a:p>
             <a:endParaRPr lang="fr-FR" dirty="0"/>
           </a:p>
         </p:txBody>
@@ -1045,32 +1029,22 @@
           <a:p>
             <a:r>
               <a:rPr lang="fr-FR" dirty="0" smtClean="0"/>
-              <a:t>Afin</a:t>
+              <a:t>Aucun</a:t>
             </a:r>
             <a:r>
               <a:rPr lang="fr-FR" baseline="0" dirty="0" smtClean="0"/>
-              <a:t> d’aborder au mieux cette formation, il est nécessaire d’avoir une connaissance de base de chacun des diagrammes SysML. </a:t>
+              <a:t> prérequis n’est nécessaire. Des ordinateurs avec tout le matériel nécessaire seront à la disposition des participants. </a:t>
             </a:r>
           </a:p>
           <a:p>
             <a:r>
               <a:rPr lang="fr-FR" baseline="0" dirty="0" smtClean="0"/>
-              <a:t>En effet, le fait de travailler par couche successive nécessite de connaître l’objectif des diagrammes utilisés ainsi que quelques connaissances sur la « syntaxe » permettant de les tracer.</a:t>
-            </a:r>
-          </a:p>
-          <a:p>
-            <a:r>
-              <a:rPr lang="fr-FR" baseline="0" dirty="0" smtClean="0"/>
-              <a:t>Aucune connaissance de MagicDraw n’est demandée.</a:t>
-            </a:r>
-          </a:p>
-          <a:p>
-            <a:r>
-              <a:rPr lang="fr-FR" baseline="0" dirty="0" smtClean="0"/>
-              <a:t>Dans le cas où vous souhaiteriez suivre la formation avec votre ordinateur personnel, il est nécessaire d’avoir installé MD ainsi que le plugin SysML. </a:t>
-            </a:r>
-          </a:p>
-          <a:p>
+              <a:t>Si toutefois vous souhaitez installer les logiciels sur votre pc personnel, n’hésitez pas à nous solliciter avant </a:t>
+            </a:r>
+            <a:r>
+              <a:rPr lang="fr-FR" baseline="0" smtClean="0"/>
+              <a:t>la formation.</a:t>
+            </a:r>
             <a:endParaRPr lang="fr-FR" dirty="0"/>
           </a:p>
         </p:txBody>
@@ -4491,11 +4465,15 @@
           <a:p>
             <a:r>
               <a:rPr lang="fr-FR" sz="3600" dirty="0" smtClean="0"/>
-              <a:t>Scilab XCOS – Niveau 1</a:t>
+              <a:t>Scilab </a:t>
             </a:r>
             <a:r>
               <a:rPr lang="fr-FR" sz="3600" dirty="0" smtClean="0"/>
-              <a:t/>
+              <a:t>– XCOS </a:t>
+            </a:r>
+            <a:r>
+              <a:rPr lang="fr-FR" sz="3600" dirty="0" smtClean="0"/>
+              <a:t>– Niveau 1</a:t>
             </a:r>
             <a:br>
               <a:rPr lang="fr-FR" sz="3600" dirty="0" smtClean="0"/>
@@ -4532,7 +4510,6 @@
               <a:rPr lang="fr-FR" dirty="0" smtClean="0"/>
               <a:t>SCIL1</a:t>
             </a:r>
-            <a:endParaRPr lang="fr-FR" dirty="0" smtClean="0"/>
           </a:p>
           <a:p>
             <a:endParaRPr lang="fr-FR" dirty="0"/>
@@ -4542,7 +4519,6 @@
               <a:rPr lang="fr-FR" dirty="0" smtClean="0"/>
               <a:t>Découverte de la modélisation multiphysique</a:t>
             </a:r>
-            <a:endParaRPr lang="fr-FR" dirty="0" smtClean="0"/>
           </a:p>
           <a:p>
             <a:r>
@@ -4561,7 +4537,6 @@
               <a:rPr lang="fr-FR" dirty="0" smtClean="0"/>
               <a:t>Activités pédagogiques</a:t>
             </a:r>
-            <a:endParaRPr lang="fr-FR" dirty="0" smtClean="0"/>
           </a:p>
           <a:p>
             <a:endParaRPr lang="fr-FR" dirty="0" smtClean="0"/>
@@ -4666,224 +4641,7 @@
       </p:sp>
       <p:sp>
         <p:nvSpPr>
-          <p:cNvPr id="5" name="Espace réservé du contenu 4"/>
-          <p:cNvSpPr>
-            <a:spLocks noGrp="1"/>
-          </p:cNvSpPr>
-          <p:nvPr>
-            <p:ph idx="1"/>
-          </p:nvPr>
-        </p:nvSpPr>
-        <p:spPr>
-          <a:xfrm>
-            <a:off x="457200" y="1600200"/>
-            <a:ext cx="8229600" cy="5257800"/>
-          </a:xfrm>
-        </p:spPr>
-        <p:txBody>
-          <a:bodyPr>
-            <a:normAutofit/>
-          </a:bodyPr>
-          <a:lstStyle/>
-          <a:p>
-            <a:r>
-              <a:rPr lang="fr-FR" dirty="0" smtClean="0">
-                <a:latin typeface="Calibri" panose="020F0502020204030204" pitchFamily="34" charset="0"/>
-              </a:rPr>
-              <a:t>Norme ISO 15288 – AFNOR Z 67-288 :</a:t>
-            </a:r>
-            <a:endParaRPr lang="fr-FR" dirty="0">
-              <a:latin typeface="Calibri" panose="020F0502020204030204" pitchFamily="34" charset="0"/>
-            </a:endParaRPr>
-          </a:p>
-          <a:p>
-            <a:pPr lvl="1"/>
-            <a:endParaRPr lang="fr-FR" dirty="0" smtClean="0">
-              <a:latin typeface="Calibri" panose="020F0502020204030204" pitchFamily="34" charset="0"/>
-            </a:endParaRPr>
-          </a:p>
-          <a:p>
-            <a:pPr lvl="1"/>
-            <a:endParaRPr lang="fr-FR" dirty="0">
-              <a:latin typeface="Calibri" panose="020F0502020204030204" pitchFamily="34" charset="0"/>
-            </a:endParaRPr>
-          </a:p>
-          <a:p>
-            <a:pPr lvl="1"/>
-            <a:endParaRPr lang="fr-FR" dirty="0" smtClean="0">
-              <a:latin typeface="Calibri" panose="020F0502020204030204" pitchFamily="34" charset="0"/>
-            </a:endParaRPr>
-          </a:p>
-          <a:p>
-            <a:pPr lvl="1"/>
-            <a:endParaRPr lang="fr-FR" dirty="0">
-              <a:latin typeface="Calibri" panose="020F0502020204030204" pitchFamily="34" charset="0"/>
-            </a:endParaRPr>
-          </a:p>
-          <a:p>
-            <a:pPr lvl="1"/>
-            <a:endParaRPr lang="fr-FR" dirty="0" smtClean="0">
-              <a:latin typeface="Calibri" panose="020F0502020204030204" pitchFamily="34" charset="0"/>
-            </a:endParaRPr>
-          </a:p>
-          <a:p>
-            <a:pPr lvl="1"/>
-            <a:endParaRPr lang="fr-FR" dirty="0">
-              <a:latin typeface="Calibri" panose="020F0502020204030204" pitchFamily="34" charset="0"/>
-            </a:endParaRPr>
-          </a:p>
-          <a:p>
-            <a:pPr lvl="1"/>
-            <a:endParaRPr lang="fr-FR" dirty="0" smtClean="0">
-              <a:latin typeface="Calibri" panose="020F0502020204030204" pitchFamily="34" charset="0"/>
-            </a:endParaRPr>
-          </a:p>
-          <a:p>
-            <a:pPr lvl="1"/>
-            <a:endParaRPr lang="fr-FR" dirty="0">
-              <a:latin typeface="Calibri" panose="020F0502020204030204" pitchFamily="34" charset="0"/>
-            </a:endParaRPr>
-          </a:p>
-          <a:p>
-            <a:pPr marL="274320" lvl="1" indent="0">
-              <a:buNone/>
-            </a:pPr>
-            <a:endParaRPr lang="fr-FR" dirty="0">
-              <a:latin typeface="Calibri" panose="020F0502020204030204" pitchFamily="34" charset="0"/>
-            </a:endParaRPr>
-          </a:p>
-          <a:p>
-            <a:pPr lvl="2">
-              <a:buClr>
-                <a:schemeClr val="tx2"/>
-              </a:buClr>
-              <a:buFont typeface="Symbol" panose="05050102010706020507" pitchFamily="18" charset="2"/>
-              <a:buChar char="Þ"/>
-            </a:pPr>
-            <a:r>
-              <a:rPr lang="fr-FR" b="1" dirty="0" smtClean="0">
-                <a:solidFill>
-                  <a:schemeClr val="tx2"/>
-                </a:solidFill>
-                <a:latin typeface="Calibri" panose="020F0502020204030204" pitchFamily="34" charset="0"/>
-              </a:rPr>
-              <a:t> Les diagrammes SysML ne sont pas construits les uns après les autres, mais par couches successives.</a:t>
-            </a:r>
-          </a:p>
-          <a:p>
-            <a:pPr lvl="2">
-              <a:buClr>
-                <a:schemeClr val="tx2"/>
-              </a:buClr>
-              <a:buFont typeface="Symbol" panose="05050102010706020507" pitchFamily="18" charset="2"/>
-              <a:buChar char="Þ"/>
-            </a:pPr>
-            <a:r>
-              <a:rPr lang="fr-FR" b="1" dirty="0" smtClean="0">
-                <a:solidFill>
-                  <a:schemeClr val="tx2"/>
-                </a:solidFill>
-                <a:latin typeface="Calibri" panose="020F0502020204030204" pitchFamily="34" charset="0"/>
-              </a:rPr>
-              <a:t> Les diagrammes sont construits en tenant compte des interconnections.</a:t>
-            </a:r>
-          </a:p>
-        </p:txBody>
-      </p:sp>
-      <p:sp>
-        <p:nvSpPr>
           <p:cNvPr id="12" name="Espace réservé du pied de page 11"/>
-          <p:cNvSpPr>
-            <a:spLocks noGrp="1"/>
-          </p:cNvSpPr>
-          <p:nvPr>
-            <p:ph type="ftr" sz="quarter" idx="11"/>
-          </p:nvPr>
-        </p:nvSpPr>
-        <p:spPr/>
-        <p:txBody>
-          <a:bodyPr/>
-          <a:lstStyle/>
-          <a:p>
-            <a:r>
-              <a:rPr lang="fr-FR" smtClean="0"/>
-              <a:t>Académie de Nice - PAF 2015</a:t>
-            </a:r>
-            <a:endParaRPr lang="fr-FR"/>
-          </a:p>
-        </p:txBody>
-      </p:sp>
-    </p:spTree>
-    <p:extLst>
-      <p:ext uri="{BB962C8B-B14F-4D97-AF65-F5344CB8AC3E}">
-        <p14:creationId xmlns:p14="http://schemas.microsoft.com/office/powerpoint/2010/main" val="479222456"/>
-      </p:ext>
-    </p:extLst>
-  </p:cSld>
-  <p:clrMapOvr>
-    <a:masterClrMapping/>
-  </p:clrMapOvr>
-  <mc:AlternateContent xmlns:mc="http://schemas.openxmlformats.org/markup-compatibility/2006" xmlns:p14="http://schemas.microsoft.com/office/powerpoint/2010/main">
-    <mc:Choice Requires="p14">
-      <p:transition spd="slow" p14:dur="2000"/>
-    </mc:Choice>
-    <mc:Fallback xmlns="">
-      <p:transition xmlns:p14="http://schemas.microsoft.com/office/powerpoint/2010/main" spd="slow"/>
-    </mc:Fallback>
-  </mc:AlternateContent>
-  <p:timing>
-    <p:tnLst>
-      <p:par>
-        <p:cTn id="1" dur="indefinite" restart="never" nodeType="tmRoot"/>
-      </p:par>
-    </p:tnLst>
-  </p:timing>
-</p:sld>
-</file>
-
-<file path=ppt/slides/slide3.xml><?xml version="1.0" encoding="utf-8"?>
-<p:sld xmlns:a="http://schemas.openxmlformats.org/drawingml/2006/main" xmlns:r="http://schemas.openxmlformats.org/officeDocument/2006/relationships" xmlns:p="http://schemas.openxmlformats.org/presentationml/2006/main">
-  <p:cSld>
-    <p:spTree>
-      <p:nvGrpSpPr>
-        <p:cNvPr id="1" name=""/>
-        <p:cNvGrpSpPr/>
-        <p:nvPr/>
-      </p:nvGrpSpPr>
-      <p:grpSpPr>
-        <a:xfrm>
-          <a:off x="0" y="0"/>
-          <a:ext cx="0" cy="0"/>
-          <a:chOff x="0" y="0"/>
-          <a:chExt cx="0" cy="0"/>
-        </a:xfrm>
-      </p:grpSpPr>
-      <p:sp>
-        <p:nvSpPr>
-          <p:cNvPr id="2" name="Titre 1"/>
-          <p:cNvSpPr>
-            <a:spLocks noGrp="1"/>
-          </p:cNvSpPr>
-          <p:nvPr>
-            <p:ph type="title"/>
-          </p:nvPr>
-        </p:nvSpPr>
-        <p:spPr/>
-        <p:txBody>
-          <a:bodyPr/>
-          <a:lstStyle/>
-          <a:p>
-            <a:r>
-              <a:rPr lang="fr-FR" dirty="0" smtClean="0"/>
-              <a:t>MagicDraw</a:t>
-            </a:r>
-            <a:endParaRPr lang="fr-FR" dirty="0"/>
-          </a:p>
-        </p:txBody>
-      </p:sp>
-      <p:sp>
-        <p:nvSpPr>
-          <p:cNvPr id="4" name="Espace réservé du pied de page 3"/>
           <p:cNvSpPr>
             <a:spLocks noGrp="1"/>
           </p:cNvSpPr>
@@ -4906,7 +4664,7 @@
       </p:sp>
       <p:pic>
         <p:nvPicPr>
-          <p:cNvPr id="2053" name="Picture 5"/>
+          <p:cNvPr id="6" name="Picture 4"/>
           <p:cNvPicPr>
             <a:picLocks noChangeAspect="1" noChangeArrowheads="1"/>
           </p:cNvPicPr>
@@ -4927,8 +4685,68 @@
         </p:blipFill>
         <p:spPr bwMode="auto">
           <a:xfrm>
-            <a:off x="3725641" y="4110841"/>
-            <a:ext cx="5283079" cy="2089639"/>
+            <a:off x="2149519" y="1363056"/>
+            <a:ext cx="4847827" cy="1922586"/>
+          </a:xfrm>
+          <a:prstGeom prst="rect">
+            <a:avLst/>
+          </a:prstGeom>
+          <a:ln>
+            <a:noFill/>
+          </a:ln>
+          <a:effectLst>
+            <a:outerShdw blurRad="292100" dist="139700" dir="2700000" algn="tl" rotWithShape="0">
+              <a:srgbClr val="333333">
+                <a:alpha val="65000"/>
+              </a:srgbClr>
+            </a:outerShdw>
+          </a:effectLst>
+          <a:extLst>
+            <a:ext uri="{909E8E84-426E-40DD-AFC4-6F175D3DCCD1}">
+              <a14:hiddenFill xmlns:a14="http://schemas.microsoft.com/office/drawing/2010/main">
+                <a:solidFill>
+                  <a:schemeClr val="accent1"/>
+                </a:solidFill>
+              </a14:hiddenFill>
+            </a:ext>
+            <a:ext uri="{91240B29-F687-4F45-9708-019B960494DF}">
+              <a14:hiddenLine xmlns:a14="http://schemas.microsoft.com/office/drawing/2010/main" w="9525">
+                <a:solidFill>
+                  <a:schemeClr val="tx1"/>
+                </a:solidFill>
+                <a:miter lim="800000"/>
+                <a:headEnd/>
+                <a:tailEnd/>
+              </a14:hiddenLine>
+            </a:ext>
+          </a:extLst>
+        </p:spPr>
+      </p:pic>
+      <p:pic>
+        <p:nvPicPr>
+          <p:cNvPr id="7" name="Picture 3"/>
+          <p:cNvPicPr>
+            <a:picLocks noChangeAspect="1" noChangeArrowheads="1"/>
+          </p:cNvPicPr>
+          <p:nvPr/>
+        </p:nvPicPr>
+        <p:blipFill>
+          <a:blip r:embed="rId4">
+            <a:extLst>
+              <a:ext uri="{28A0092B-C50C-407E-A947-70E740481C1C}">
+                <a14:useLocalDpi xmlns:a14="http://schemas.microsoft.com/office/drawing/2010/main" val="0"/>
+              </a:ext>
+            </a:extLst>
+          </a:blip>
+          <a:srcRect/>
+          <a:stretch>
+            <a:fillRect/>
+          </a:stretch>
+        </p:blipFill>
+        <p:spPr bwMode="auto">
+          <a:xfrm>
+            <a:off x="882097" y="3225160"/>
+            <a:ext cx="7382672" cy="2690700"/>
           </a:xfrm>
           <a:prstGeom prst="rect">
             <a:avLst/>
@@ -4968,428 +4786,338 @@
           </a:extLst>
         </p:spPr>
       </p:pic>
-      <p:pic>
-        <p:nvPicPr>
-          <p:cNvPr id="2050" name="Picture 2"/>
-          <p:cNvPicPr>
-            <a:picLocks noGrp="1" noChangeAspect="1" noChangeArrowheads="1"/>
-          </p:cNvPicPr>
-          <p:nvPr>
-            <p:ph idx="1"/>
-          </p:nvPr>
-        </p:nvPicPr>
-        <p:blipFill>
-          <a:blip r:embed="rId4">
-            <a:extLst>
-              <a:ext uri="{28A0092B-C50C-407E-A947-70E740481C1C}">
-                <a14:useLocalDpi xmlns:a14="http://schemas.microsoft.com/office/drawing/2010/main" val="0"/>
-              </a:ext>
-            </a:extLst>
-          </a:blip>
-          <a:srcRect/>
-          <a:stretch>
-            <a:fillRect/>
-          </a:stretch>
-        </p:blipFill>
-        <p:spPr bwMode="auto">
+      <p:sp>
+        <p:nvSpPr>
+          <p:cNvPr id="2" name="Rectangle 1"/>
+          <p:cNvSpPr/>
+          <p:nvPr/>
+        </p:nvSpPr>
+        <p:spPr>
           <a:xfrm>
-            <a:off x="4495596" y="1471069"/>
-            <a:ext cx="4648404" cy="2522455"/>
+            <a:off x="2277445" y="1363056"/>
+            <a:ext cx="1595622" cy="2116017"/>
           </a:xfrm>
           <a:prstGeom prst="rect">
             <a:avLst/>
           </a:prstGeom>
           <a:noFill/>
           <a:ln>
-            <a:noFill/>
+            <a:solidFill>
+              <a:srgbClr val="FF0000"/>
+            </a:solidFill>
+            <a:prstDash val="dash"/>
           </a:ln>
-          <a:effectLst/>
-          <a:extLst>
-            <a:ext uri="{909E8E84-426E-40DD-AFC4-6F175D3DCCD1}">
-              <a14:hiddenFill xmlns:a14="http://schemas.microsoft.com/office/drawing/2010/main">
-                <a:solidFill>
-                  <a:schemeClr val="accent1"/>
-                </a:solidFill>
-              </a14:hiddenFill>
-            </a:ext>
-            <a:ext uri="{91240B29-F687-4F45-9708-019B960494DF}">
-              <a14:hiddenLine xmlns:a14="http://schemas.microsoft.com/office/drawing/2010/main" w="9525">
-                <a:solidFill>
-                  <a:schemeClr val="tx1"/>
-                </a:solidFill>
-                <a:miter lim="800000"/>
-                <a:headEnd/>
-                <a:tailEnd/>
-              </a14:hiddenLine>
-            </a:ext>
-            <a:ext uri="{AF507438-7753-43E0-B8FC-AC1667EBCBE1}">
-              <a14:hiddenEffects xmlns:a14="http://schemas.microsoft.com/office/drawing/2010/main">
-                <a:effectLst>
-                  <a:outerShdw dist="35921" dir="2700000" algn="ctr" rotWithShape="0">
-                    <a:schemeClr val="bg2"/>
-                  </a:outerShdw>
-                </a:effectLst>
-              </a14:hiddenEffects>
-            </a:ext>
-          </a:extLst>
         </p:spPr>
-      </p:pic>
-      <p:pic>
-        <p:nvPicPr>
-          <p:cNvPr id="2052" name="Picture 4"/>
-          <p:cNvPicPr>
-            <a:picLocks noChangeAspect="1" noChangeArrowheads="1"/>
-          </p:cNvPicPr>
+        <p:style>
+          <a:lnRef idx="2">
+            <a:schemeClr val="accent1">
+              <a:shade val="50000"/>
+            </a:schemeClr>
+          </a:lnRef>
+          <a:fillRef idx="1">
+            <a:schemeClr val="accent1"/>
+          </a:fillRef>
+          <a:effectRef idx="0">
+            <a:schemeClr val="accent1"/>
+          </a:effectRef>
+          <a:fontRef idx="minor">
+            <a:schemeClr val="lt1"/>
+          </a:fontRef>
+        </p:style>
+        <p:txBody>
+          <a:bodyPr rtlCol="0" anchor="ctr"/>
+          <a:lstStyle/>
+          <a:p>
+            <a:pPr algn="ctr"/>
+            <a:endParaRPr lang="fr-FR"/>
+          </a:p>
+        </p:txBody>
+      </p:sp>
+      <p:sp>
+        <p:nvSpPr>
+          <p:cNvPr id="8" name="Rectangle 7"/>
+          <p:cNvSpPr/>
           <p:nvPr/>
-        </p:nvPicPr>
-        <p:blipFill>
-          <a:blip r:embed="rId5">
-            <a:extLst>
-              <a:ext uri="{28A0092B-C50C-407E-A947-70E740481C1C}">
-                <a14:useLocalDpi xmlns:a14="http://schemas.microsoft.com/office/drawing/2010/main" val="0"/>
-              </a:ext>
-            </a:extLst>
-          </a:blip>
-          <a:srcRect/>
-          <a:stretch>
-            <a:fillRect/>
-          </a:stretch>
-        </p:blipFill>
-        <p:spPr bwMode="auto">
+        </p:nvSpPr>
+        <p:spPr>
           <a:xfrm>
-            <a:off x="245884" y="1524000"/>
-            <a:ext cx="4110839" cy="2416595"/>
+            <a:off x="3925820" y="1363056"/>
+            <a:ext cx="822026" cy="2116017"/>
           </a:xfrm>
           <a:prstGeom prst="rect">
             <a:avLst/>
           </a:prstGeom>
           <a:noFill/>
           <a:ln>
-            <a:noFill/>
+            <a:solidFill>
+              <a:srgbClr val="00B050"/>
+            </a:solidFill>
+            <a:prstDash val="dash"/>
           </a:ln>
-          <a:effectLst/>
-          <a:extLst>
-            <a:ext uri="{909E8E84-426E-40DD-AFC4-6F175D3DCCD1}">
-              <a14:hiddenFill xmlns:a14="http://schemas.microsoft.com/office/drawing/2010/main">
-                <a:solidFill>
-                  <a:schemeClr val="accent1"/>
-                </a:solidFill>
-              </a14:hiddenFill>
-            </a:ext>
-            <a:ext uri="{91240B29-F687-4F45-9708-019B960494DF}">
-              <a14:hiddenLine xmlns:a14="http://schemas.microsoft.com/office/drawing/2010/main" w="9525">
-                <a:solidFill>
-                  <a:schemeClr val="tx1"/>
-                </a:solidFill>
-                <a:miter lim="800000"/>
-                <a:headEnd/>
-                <a:tailEnd/>
-              </a14:hiddenLine>
-            </a:ext>
-            <a:ext uri="{AF507438-7753-43E0-B8FC-AC1667EBCBE1}">
-              <a14:hiddenEffects xmlns:a14="http://schemas.microsoft.com/office/drawing/2010/main">
-                <a:effectLst>
-                  <a:outerShdw dist="35921" dir="2700000" algn="ctr" rotWithShape="0">
-                    <a:schemeClr val="bg2"/>
-                  </a:outerShdw>
-                </a:effectLst>
-              </a14:hiddenEffects>
-            </a:ext>
-          </a:extLst>
         </p:spPr>
-      </p:pic>
-      <p:pic>
-        <p:nvPicPr>
-          <p:cNvPr id="10" name="Picture 4" descr="http://www.sren.re/userfiles/images/TP10_20_right.jpg"/>
-          <p:cNvPicPr>
-            <a:picLocks noChangeAspect="1" noChangeArrowheads="1"/>
-          </p:cNvPicPr>
-          <p:nvPr/>
-        </p:nvPicPr>
-        <p:blipFill>
-          <a:blip r:embed="rId6" cstate="print"/>
-          <a:srcRect/>
-          <a:stretch>
-            <a:fillRect/>
-          </a:stretch>
-        </p:blipFill>
-        <p:spPr bwMode="auto">
-          <a:xfrm>
-            <a:off x="911431" y="4584834"/>
-            <a:ext cx="2304256" cy="570827"/>
-          </a:xfrm>
-          <a:prstGeom prst="rect">
-            <a:avLst/>
-          </a:prstGeom>
-          <a:noFill/>
-        </p:spPr>
-      </p:pic>
-      <p:sp>
-        <p:nvSpPr>
-          <p:cNvPr id="8" name="Rectangle 7"/>
+        <p:style>
+          <a:lnRef idx="2">
+            <a:schemeClr val="accent1">
+              <a:shade val="50000"/>
+            </a:schemeClr>
+          </a:lnRef>
+          <a:fillRef idx="1">
+            <a:schemeClr val="accent1"/>
+          </a:fillRef>
+          <a:effectRef idx="0">
+            <a:schemeClr val="accent1"/>
+          </a:effectRef>
+          <a:fontRef idx="minor">
+            <a:schemeClr val="lt1"/>
+          </a:fontRef>
+        </p:style>
+        <p:txBody>
+          <a:bodyPr rtlCol="0" anchor="ctr"/>
+          <a:lstStyle/>
+          <a:p>
+            <a:pPr algn="ctr"/>
+            <a:endParaRPr lang="fr-FR"/>
+          </a:p>
+        </p:txBody>
+      </p:sp>
+      <p:sp>
+        <p:nvSpPr>
+          <p:cNvPr id="10" name="Rectangle 9"/>
           <p:cNvSpPr/>
           <p:nvPr/>
         </p:nvSpPr>
         <p:spPr>
           <a:xfrm>
-            <a:off x="-76404" y="6114986"/>
-            <a:ext cx="9220404" cy="646331"/>
-          </a:xfrm>
-          <a:prstGeom prst="rect">
-            <a:avLst/>
-          </a:prstGeom>
-        </p:spPr>
-        <p:txBody>
-          <a:bodyPr wrap="square">
-            <a:spAutoFit/>
-          </a:bodyPr>
-          <a:lstStyle/>
-          <a:p>
-            <a:pPr lvl="2">
-              <a:buClr>
-                <a:schemeClr val="tx2"/>
-              </a:buClr>
-              <a:buFont typeface="Symbol" panose="05050102010706020507" pitchFamily="18" charset="2"/>
-              <a:buChar char="Þ"/>
-            </a:pPr>
-            <a:r>
-              <a:rPr lang="fr-FR" b="1" dirty="0">
-                <a:solidFill>
-                  <a:schemeClr val="tx2"/>
-                </a:solidFill>
-                <a:latin typeface="Calibri" panose="020F0502020204030204" pitchFamily="34" charset="0"/>
-              </a:rPr>
-              <a:t> </a:t>
-            </a:r>
-            <a:r>
-              <a:rPr lang="fr-FR" b="1" dirty="0" smtClean="0">
-                <a:solidFill>
-                  <a:schemeClr val="tx2"/>
-                </a:solidFill>
-                <a:latin typeface="Calibri" panose="020F0502020204030204" pitchFamily="34" charset="0"/>
-              </a:rPr>
-              <a:t>Des exemples correspondant au public de la formation pourront être proposés ou construits.</a:t>
-            </a:r>
-            <a:endParaRPr lang="fr-FR" b="1" dirty="0">
-              <a:solidFill>
-                <a:schemeClr val="tx2"/>
-              </a:solidFill>
-              <a:latin typeface="Calibri" panose="020F0502020204030204" pitchFamily="34" charset="0"/>
-            </a:endParaRPr>
-          </a:p>
-        </p:txBody>
-      </p:sp>
-    </p:spTree>
-    <p:extLst>
-      <p:ext uri="{BB962C8B-B14F-4D97-AF65-F5344CB8AC3E}">
-        <p14:creationId xmlns:p14="http://schemas.microsoft.com/office/powerpoint/2010/main" val="2718835750"/>
-      </p:ext>
-    </p:extLst>
-  </p:cSld>
-  <p:clrMapOvr>
-    <a:masterClrMapping/>
-  </p:clrMapOvr>
-</p:sld>
-</file>
-
-<file path=ppt/slides/slide4.xml><?xml version="1.0" encoding="utf-8"?>
-<p:sld xmlns:a="http://schemas.openxmlformats.org/drawingml/2006/main" xmlns:r="http://schemas.openxmlformats.org/officeDocument/2006/relationships" xmlns:p="http://schemas.openxmlformats.org/presentationml/2006/main">
-  <p:cSld>
-    <p:spTree>
-      <p:nvGrpSpPr>
-        <p:cNvPr id="1" name=""/>
-        <p:cNvGrpSpPr/>
-        <p:nvPr/>
-      </p:nvGrpSpPr>
-      <p:grpSpPr>
-        <a:xfrm>
-          <a:off x="0" y="0"/>
-          <a:ext cx="0" cy="0"/>
-          <a:chOff x="0" y="0"/>
-          <a:chExt cx="0" cy="0"/>
-        </a:xfrm>
-      </p:grpSpPr>
-      <p:sp>
-        <p:nvSpPr>
-          <p:cNvPr id="2" name="Titre 1"/>
-          <p:cNvSpPr>
-            <a:spLocks noGrp="1"/>
-          </p:cNvSpPr>
-          <p:nvPr>
-            <p:ph type="title"/>
-          </p:nvPr>
-        </p:nvSpPr>
-        <p:spPr/>
-        <p:txBody>
-          <a:bodyPr/>
-          <a:lstStyle/>
-          <a:p>
-            <a:r>
-              <a:rPr lang="fr-FR" dirty="0" smtClean="0"/>
-              <a:t>Prérequis et contact</a:t>
-            </a:r>
-            <a:endParaRPr lang="fr-FR" dirty="0"/>
-          </a:p>
-        </p:txBody>
-      </p:sp>
-      <p:sp>
-        <p:nvSpPr>
-          <p:cNvPr id="3" name="Espace réservé du contenu 2"/>
-          <p:cNvSpPr>
-            <a:spLocks noGrp="1"/>
-          </p:cNvSpPr>
-          <p:nvPr>
-            <p:ph idx="1"/>
-          </p:nvPr>
-        </p:nvSpPr>
-        <p:spPr>
-          <a:xfrm>
-            <a:off x="0" y="1600200"/>
-            <a:ext cx="5126664" cy="4876800"/>
-          </a:xfrm>
-        </p:spPr>
-        <p:txBody>
-          <a:bodyPr/>
-          <a:lstStyle/>
-          <a:p>
-            <a:r>
-              <a:rPr lang="fr-FR" dirty="0" smtClean="0"/>
-              <a:t>Prérequis : </a:t>
-            </a:r>
-          </a:p>
-          <a:p>
-            <a:pPr lvl="1"/>
-            <a:r>
-              <a:rPr lang="fr-FR" dirty="0" smtClean="0"/>
-              <a:t>Connaissance des diagrammes SysML</a:t>
-            </a:r>
-          </a:p>
-          <a:p>
-            <a:pPr lvl="1"/>
-            <a:r>
-              <a:rPr lang="fr-FR" dirty="0" smtClean="0"/>
-              <a:t>Aucune connaissance de MagicDraw n’est demandée</a:t>
-            </a:r>
-          </a:p>
-          <a:p>
-            <a:r>
-              <a:rPr lang="fr-FR" dirty="0" smtClean="0"/>
-              <a:t>Besoins logiciels</a:t>
-            </a:r>
-          </a:p>
-          <a:p>
-            <a:pPr lvl="1"/>
-            <a:r>
-              <a:rPr lang="fr-FR" dirty="0" smtClean="0"/>
-              <a:t>MagicDraw avec le plugin SysML</a:t>
-            </a:r>
-          </a:p>
-          <a:p>
-            <a:pPr lvl="1"/>
-            <a:endParaRPr lang="fr-FR" dirty="0"/>
-          </a:p>
-          <a:p>
-            <a:pPr lvl="1"/>
-            <a:endParaRPr lang="fr-FR" dirty="0" smtClean="0"/>
-          </a:p>
-          <a:p>
-            <a:r>
-              <a:rPr lang="fr-FR" dirty="0" smtClean="0"/>
-              <a:t>Contacts .</a:t>
-            </a:r>
-          </a:p>
-        </p:txBody>
-      </p:sp>
-      <p:sp>
-        <p:nvSpPr>
-          <p:cNvPr id="4" name="Espace réservé du pied de page 3"/>
-          <p:cNvSpPr>
-            <a:spLocks noGrp="1"/>
-          </p:cNvSpPr>
-          <p:nvPr>
-            <p:ph type="ftr" sz="quarter" idx="11"/>
-          </p:nvPr>
-        </p:nvSpPr>
-        <p:spPr/>
-        <p:txBody>
-          <a:bodyPr/>
-          <a:lstStyle/>
-          <a:p>
-            <a:r>
-              <a:rPr lang="fr-FR" smtClean="0"/>
-              <a:t>Académie de Nice - PAF 2015</a:t>
-            </a:r>
-            <a:endParaRPr lang="fr-FR"/>
-          </a:p>
-        </p:txBody>
-      </p:sp>
-      <p:pic>
-        <p:nvPicPr>
-          <p:cNvPr id="1026" name="Picture 2"/>
-          <p:cNvPicPr>
-            <a:picLocks noChangeAspect="1" noChangeArrowheads="1"/>
-          </p:cNvPicPr>
-          <p:nvPr/>
-        </p:nvPicPr>
-        <p:blipFill>
-          <a:blip r:embed="rId3">
-            <a:extLst>
-              <a:ext uri="{28A0092B-C50C-407E-A947-70E740481C1C}">
-                <a14:useLocalDpi xmlns:a14="http://schemas.microsoft.com/office/drawing/2010/main" val="0"/>
-              </a:ext>
-            </a:extLst>
-          </a:blip>
-          <a:srcRect/>
-          <a:stretch>
-            <a:fillRect/>
-          </a:stretch>
-        </p:blipFill>
-        <p:spPr bwMode="auto">
-          <a:xfrm>
-            <a:off x="5126664" y="1948108"/>
-            <a:ext cx="4017336" cy="1938092"/>
+            <a:off x="5134708" y="1363056"/>
+            <a:ext cx="2022230" cy="2116017"/>
           </a:xfrm>
           <a:prstGeom prst="rect">
             <a:avLst/>
           </a:prstGeom>
           <a:noFill/>
           <a:ln>
-            <a:noFill/>
+            <a:solidFill>
+              <a:srgbClr val="7030A0"/>
+            </a:solidFill>
+            <a:prstDash val="dash"/>
           </a:ln>
-          <a:effectLst/>
-          <a:extLst>
-            <a:ext uri="{909E8E84-426E-40DD-AFC4-6F175D3DCCD1}">
-              <a14:hiddenFill xmlns:a14="http://schemas.microsoft.com/office/drawing/2010/main">
-                <a:solidFill>
-                  <a:schemeClr val="accent1"/>
-                </a:solidFill>
-              </a14:hiddenFill>
-            </a:ext>
-            <a:ext uri="{91240B29-F687-4F45-9708-019B960494DF}">
-              <a14:hiddenLine xmlns:a14="http://schemas.microsoft.com/office/drawing/2010/main" w="9525">
-                <a:solidFill>
-                  <a:schemeClr val="tx1"/>
-                </a:solidFill>
-                <a:miter lim="800000"/>
-                <a:headEnd/>
-                <a:tailEnd/>
-              </a14:hiddenLine>
-            </a:ext>
-            <a:ext uri="{AF507438-7753-43E0-B8FC-AC1667EBCBE1}">
-              <a14:hiddenEffects xmlns:a14="http://schemas.microsoft.com/office/drawing/2010/main">
-                <a:effectLst>
-                  <a:outerShdw dist="35921" dir="2700000" algn="ctr" rotWithShape="0">
-                    <a:schemeClr val="bg2"/>
-                  </a:outerShdw>
-                </a:effectLst>
-              </a14:hiddenEffects>
-            </a:ext>
-          </a:extLst>
         </p:spPr>
-      </p:pic>
-      <p:sp>
-        <p:nvSpPr>
-          <p:cNvPr id="30" name="Espace réservé du contenu 2"/>
+        <p:style>
+          <a:lnRef idx="2">
+            <a:schemeClr val="accent1">
+              <a:shade val="50000"/>
+            </a:schemeClr>
+          </a:lnRef>
+          <a:fillRef idx="1">
+            <a:schemeClr val="accent1"/>
+          </a:fillRef>
+          <a:effectRef idx="0">
+            <a:schemeClr val="accent1"/>
+          </a:effectRef>
+          <a:fontRef idx="minor">
+            <a:schemeClr val="lt1"/>
+          </a:fontRef>
+        </p:style>
+        <p:txBody>
+          <a:bodyPr rtlCol="0" anchor="ctr"/>
+          <a:lstStyle/>
+          <a:p>
+            <a:pPr algn="ctr"/>
+            <a:endParaRPr lang="fr-FR"/>
+          </a:p>
+        </p:txBody>
+      </p:sp>
+      <p:sp>
+        <p:nvSpPr>
+          <p:cNvPr id="11" name="Rectangle 10"/>
+          <p:cNvSpPr/>
+          <p:nvPr/>
+        </p:nvSpPr>
+        <p:spPr>
+          <a:xfrm>
+            <a:off x="1058245" y="3775864"/>
+            <a:ext cx="3515188" cy="2139996"/>
+          </a:xfrm>
+          <a:prstGeom prst="rect">
+            <a:avLst/>
+          </a:prstGeom>
+          <a:noFill/>
+          <a:ln>
+            <a:solidFill>
+              <a:srgbClr val="FF0000"/>
+            </a:solidFill>
+            <a:prstDash val="dash"/>
+          </a:ln>
+        </p:spPr>
+        <p:style>
+          <a:lnRef idx="2">
+            <a:schemeClr val="accent1">
+              <a:shade val="50000"/>
+            </a:schemeClr>
+          </a:lnRef>
+          <a:fillRef idx="1">
+            <a:schemeClr val="accent1"/>
+          </a:fillRef>
+          <a:effectRef idx="0">
+            <a:schemeClr val="accent1"/>
+          </a:effectRef>
+          <a:fontRef idx="minor">
+            <a:schemeClr val="lt1"/>
+          </a:fontRef>
+        </p:style>
+        <p:txBody>
+          <a:bodyPr rtlCol="0" anchor="ctr"/>
+          <a:lstStyle/>
+          <a:p>
+            <a:pPr algn="ctr"/>
+            <a:endParaRPr lang="fr-FR"/>
+          </a:p>
+        </p:txBody>
+      </p:sp>
+      <p:sp>
+        <p:nvSpPr>
+          <p:cNvPr id="13" name="Rectangle 12"/>
+          <p:cNvSpPr/>
+          <p:nvPr/>
+        </p:nvSpPr>
+        <p:spPr>
+          <a:xfrm>
+            <a:off x="4723695" y="3775864"/>
+            <a:ext cx="822026" cy="1419560"/>
+          </a:xfrm>
+          <a:prstGeom prst="rect">
+            <a:avLst/>
+          </a:prstGeom>
+          <a:noFill/>
+          <a:ln>
+            <a:solidFill>
+              <a:srgbClr val="00B050"/>
+            </a:solidFill>
+            <a:prstDash val="dash"/>
+          </a:ln>
+        </p:spPr>
+        <p:style>
+          <a:lnRef idx="2">
+            <a:schemeClr val="accent1">
+              <a:shade val="50000"/>
+            </a:schemeClr>
+          </a:lnRef>
+          <a:fillRef idx="1">
+            <a:schemeClr val="accent1"/>
+          </a:fillRef>
+          <a:effectRef idx="0">
+            <a:schemeClr val="accent1"/>
+          </a:effectRef>
+          <a:fontRef idx="minor">
+            <a:schemeClr val="lt1"/>
+          </a:fontRef>
+        </p:style>
+        <p:txBody>
+          <a:bodyPr rtlCol="0" anchor="ctr"/>
+          <a:lstStyle/>
+          <a:p>
+            <a:pPr algn="ctr"/>
+            <a:endParaRPr lang="fr-FR"/>
+          </a:p>
+        </p:txBody>
+      </p:sp>
+      <p:sp>
+        <p:nvSpPr>
+          <p:cNvPr id="14" name="Rectangle 13"/>
+          <p:cNvSpPr/>
+          <p:nvPr/>
+        </p:nvSpPr>
+        <p:spPr>
+          <a:xfrm>
+            <a:off x="5647325" y="3775864"/>
+            <a:ext cx="2617443" cy="1419560"/>
+          </a:xfrm>
+          <a:prstGeom prst="rect">
+            <a:avLst/>
+          </a:prstGeom>
+          <a:noFill/>
+          <a:ln>
+            <a:solidFill>
+              <a:srgbClr val="7030A0"/>
+            </a:solidFill>
+            <a:prstDash val="dash"/>
+          </a:ln>
+        </p:spPr>
+        <p:style>
+          <a:lnRef idx="2">
+            <a:schemeClr val="accent1">
+              <a:shade val="50000"/>
+            </a:schemeClr>
+          </a:lnRef>
+          <a:fillRef idx="1">
+            <a:schemeClr val="accent1"/>
+          </a:fillRef>
+          <a:effectRef idx="0">
+            <a:schemeClr val="accent1"/>
+          </a:effectRef>
+          <a:fontRef idx="minor">
+            <a:schemeClr val="lt1"/>
+          </a:fontRef>
+        </p:style>
+        <p:txBody>
+          <a:bodyPr rtlCol="0" anchor="ctr"/>
+          <a:lstStyle/>
+          <a:p>
+            <a:pPr algn="ctr"/>
+            <a:endParaRPr lang="fr-FR"/>
+          </a:p>
+        </p:txBody>
+      </p:sp>
+      <p:sp>
+        <p:nvSpPr>
+          <p:cNvPr id="15" name="Rectangle 14"/>
+          <p:cNvSpPr/>
+          <p:nvPr/>
+        </p:nvSpPr>
+        <p:spPr>
+          <a:xfrm>
+            <a:off x="788979" y="5992591"/>
+            <a:ext cx="396482" cy="152400"/>
+          </a:xfrm>
+          <a:prstGeom prst="rect">
+            <a:avLst/>
+          </a:prstGeom>
+          <a:noFill/>
+          <a:ln>
+            <a:solidFill>
+              <a:srgbClr val="FF0000"/>
+            </a:solidFill>
+            <a:prstDash val="dash"/>
+          </a:ln>
+        </p:spPr>
+        <p:style>
+          <a:lnRef idx="2">
+            <a:schemeClr val="accent1">
+              <a:shade val="50000"/>
+            </a:schemeClr>
+          </a:lnRef>
+          <a:fillRef idx="1">
+            <a:schemeClr val="accent1"/>
+          </a:fillRef>
+          <a:effectRef idx="0">
+            <a:schemeClr val="accent1"/>
+          </a:effectRef>
+          <a:fontRef idx="minor">
+            <a:schemeClr val="lt1"/>
+          </a:fontRef>
+        </p:style>
+        <p:txBody>
+          <a:bodyPr rtlCol="0" anchor="ctr"/>
+          <a:lstStyle/>
+          <a:p>
+            <a:pPr algn="ctr"/>
+            <a:endParaRPr lang="fr-FR"/>
+          </a:p>
+        </p:txBody>
+      </p:sp>
+      <p:sp>
+        <p:nvSpPr>
+          <p:cNvPr id="16" name="Espace réservé du contenu 2"/>
           <p:cNvSpPr txBox="1">
             <a:spLocks/>
           </p:cNvSpPr>
@@ -5397,8 +5125,8 @@
         </p:nvSpPr>
         <p:spPr>
           <a:xfrm>
-            <a:off x="152400" y="5380892"/>
-            <a:ext cx="8534400" cy="1248508"/>
+            <a:off x="1058245" y="5915860"/>
+            <a:ext cx="8085755" cy="942140"/>
           </a:xfrm>
           <a:prstGeom prst="rect">
             <a:avLst/>
@@ -5578,32 +5306,710 @@
           </a:lstStyle>
           <a:p>
             <a:r>
-              <a:rPr lang="fr-FR" sz="2000" dirty="0" smtClean="0"/>
+              <a:rPr lang="fr-FR" sz="1600" dirty="0" smtClean="0"/>
+              <a:t>Domaine du génie électronique</a:t>
+            </a:r>
+          </a:p>
+          <a:p>
+            <a:r>
+              <a:rPr lang="fr-FR" sz="1600" dirty="0" smtClean="0"/>
+              <a:t>Domaine du génie électrotechnique</a:t>
+            </a:r>
+          </a:p>
+          <a:p>
+            <a:r>
+              <a:rPr lang="fr-FR" sz="1600" dirty="0" smtClean="0"/>
+              <a:t>Domaine de la mécanique</a:t>
+            </a:r>
+            <a:endParaRPr lang="fr-FR" sz="1600" dirty="0" smtClean="0"/>
+          </a:p>
+        </p:txBody>
+      </p:sp>
+      <p:sp>
+        <p:nvSpPr>
+          <p:cNvPr id="17" name="Rectangle 16"/>
+          <p:cNvSpPr/>
+          <p:nvPr/>
+        </p:nvSpPr>
+        <p:spPr>
+          <a:xfrm>
+            <a:off x="788979" y="6310730"/>
+            <a:ext cx="396482" cy="152400"/>
+          </a:xfrm>
+          <a:prstGeom prst="rect">
+            <a:avLst/>
+          </a:prstGeom>
+          <a:noFill/>
+          <a:ln>
+            <a:solidFill>
+              <a:srgbClr val="00B050"/>
+            </a:solidFill>
+            <a:prstDash val="dash"/>
+          </a:ln>
+        </p:spPr>
+        <p:style>
+          <a:lnRef idx="2">
+            <a:schemeClr val="accent1">
+              <a:shade val="50000"/>
+            </a:schemeClr>
+          </a:lnRef>
+          <a:fillRef idx="1">
+            <a:schemeClr val="accent1"/>
+          </a:fillRef>
+          <a:effectRef idx="0">
+            <a:schemeClr val="accent1"/>
+          </a:effectRef>
+          <a:fontRef idx="minor">
+            <a:schemeClr val="lt1"/>
+          </a:fontRef>
+        </p:style>
+        <p:txBody>
+          <a:bodyPr rtlCol="0" anchor="ctr"/>
+          <a:lstStyle/>
+          <a:p>
+            <a:pPr algn="ctr"/>
+            <a:endParaRPr lang="fr-FR"/>
+          </a:p>
+        </p:txBody>
+      </p:sp>
+      <p:sp>
+        <p:nvSpPr>
+          <p:cNvPr id="18" name="Rectangle 17"/>
+          <p:cNvSpPr/>
+          <p:nvPr/>
+        </p:nvSpPr>
+        <p:spPr>
+          <a:xfrm>
+            <a:off x="788979" y="6578642"/>
+            <a:ext cx="396482" cy="152400"/>
+          </a:xfrm>
+          <a:prstGeom prst="rect">
+            <a:avLst/>
+          </a:prstGeom>
+          <a:noFill/>
+          <a:ln>
+            <a:solidFill>
+              <a:srgbClr val="7030A0"/>
+            </a:solidFill>
+            <a:prstDash val="dash"/>
+          </a:ln>
+        </p:spPr>
+        <p:style>
+          <a:lnRef idx="2">
+            <a:schemeClr val="accent1">
+              <a:shade val="50000"/>
+            </a:schemeClr>
+          </a:lnRef>
+          <a:fillRef idx="1">
+            <a:schemeClr val="accent1"/>
+          </a:fillRef>
+          <a:effectRef idx="0">
+            <a:schemeClr val="accent1"/>
+          </a:effectRef>
+          <a:fontRef idx="minor">
+            <a:schemeClr val="lt1"/>
+          </a:fontRef>
+        </p:style>
+        <p:txBody>
+          <a:bodyPr rtlCol="0" anchor="ctr"/>
+          <a:lstStyle/>
+          <a:p>
+            <a:pPr algn="ctr"/>
+            <a:endParaRPr lang="fr-FR"/>
+          </a:p>
+        </p:txBody>
+      </p:sp>
+    </p:spTree>
+    <p:extLst>
+      <p:ext uri="{BB962C8B-B14F-4D97-AF65-F5344CB8AC3E}">
+        <p14:creationId xmlns:p14="http://schemas.microsoft.com/office/powerpoint/2010/main" val="479222456"/>
+      </p:ext>
+    </p:extLst>
+  </p:cSld>
+  <p:clrMapOvr>
+    <a:masterClrMapping/>
+  </p:clrMapOvr>
+  <mc:AlternateContent xmlns:mc="http://schemas.openxmlformats.org/markup-compatibility/2006" xmlns:p14="http://schemas.microsoft.com/office/powerpoint/2010/main">
+    <mc:Choice Requires="p14">
+      <p:transition spd="slow" p14:dur="2000"/>
+    </mc:Choice>
+    <mc:Fallback xmlns="">
+      <p:transition xmlns:p14="http://schemas.microsoft.com/office/powerpoint/2010/main" spd="slow"/>
+    </mc:Fallback>
+  </mc:AlternateContent>
+  <p:timing>
+    <p:tnLst>
+      <p:par>
+        <p:cTn id="1" dur="indefinite" restart="never" nodeType="tmRoot"/>
+      </p:par>
+    </p:tnLst>
+  </p:timing>
+</p:sld>
+</file>
+
+<file path=ppt/slides/slide3.xml><?xml version="1.0" encoding="utf-8"?>
+<p:sld xmlns:a="http://schemas.openxmlformats.org/drawingml/2006/main" xmlns:r="http://schemas.openxmlformats.org/officeDocument/2006/relationships" xmlns:p="http://schemas.openxmlformats.org/presentationml/2006/main">
+  <p:cSld>
+    <p:spTree>
+      <p:nvGrpSpPr>
+        <p:cNvPr id="1" name=""/>
+        <p:cNvGrpSpPr/>
+        <p:nvPr/>
+      </p:nvGrpSpPr>
+      <p:grpSpPr>
+        <a:xfrm>
+          <a:off x="0" y="0"/>
+          <a:ext cx="0" cy="0"/>
+          <a:chOff x="0" y="0"/>
+          <a:chExt cx="0" cy="0"/>
+        </a:xfrm>
+      </p:grpSpPr>
+      <p:sp>
+        <p:nvSpPr>
+          <p:cNvPr id="2" name="Titre 1"/>
+          <p:cNvSpPr>
+            <a:spLocks noGrp="1"/>
+          </p:cNvSpPr>
+          <p:nvPr>
+            <p:ph type="title"/>
+          </p:nvPr>
+        </p:nvSpPr>
+        <p:spPr/>
+        <p:txBody>
+          <a:bodyPr/>
+          <a:lstStyle/>
+          <a:p>
+            <a:r>
+              <a:rPr lang="fr-FR" dirty="0" smtClean="0"/>
+              <a:t>Scilab – XCOS </a:t>
+            </a:r>
+            <a:endParaRPr lang="fr-FR" dirty="0"/>
+          </a:p>
+        </p:txBody>
+      </p:sp>
+      <p:sp>
+        <p:nvSpPr>
+          <p:cNvPr id="4" name="Espace réservé du pied de page 3"/>
+          <p:cNvSpPr>
+            <a:spLocks noGrp="1"/>
+          </p:cNvSpPr>
+          <p:nvPr>
+            <p:ph type="ftr" sz="quarter" idx="11"/>
+          </p:nvPr>
+        </p:nvSpPr>
+        <p:spPr/>
+        <p:txBody>
+          <a:bodyPr/>
+          <a:lstStyle/>
+          <a:p>
+            <a:r>
+              <a:rPr lang="fr-FR" dirty="0" smtClean="0"/>
+              <a:t>Académie de Nice - PAF 2015</a:t>
+            </a:r>
+            <a:endParaRPr lang="fr-FR" dirty="0"/>
+          </a:p>
+        </p:txBody>
+      </p:sp>
+      <p:sp>
+        <p:nvSpPr>
+          <p:cNvPr id="8" name="Rectangle 7"/>
+          <p:cNvSpPr/>
+          <p:nvPr/>
+        </p:nvSpPr>
+        <p:spPr>
+          <a:xfrm>
+            <a:off x="-76404" y="6114986"/>
+            <a:ext cx="9220404" cy="646331"/>
+          </a:xfrm>
+          <a:prstGeom prst="rect">
+            <a:avLst/>
+          </a:prstGeom>
+        </p:spPr>
+        <p:txBody>
+          <a:bodyPr wrap="square">
+            <a:spAutoFit/>
+          </a:bodyPr>
+          <a:lstStyle/>
+          <a:p>
+            <a:pPr lvl="2">
+              <a:buClr>
+                <a:schemeClr val="tx2"/>
+              </a:buClr>
+              <a:buFont typeface="Symbol" panose="05050102010706020507" pitchFamily="18" charset="2"/>
+              <a:buChar char="Þ"/>
+            </a:pPr>
+            <a:r>
+              <a:rPr lang="fr-FR" b="1" dirty="0">
+                <a:solidFill>
+                  <a:schemeClr val="tx2"/>
+                </a:solidFill>
+                <a:latin typeface="Calibri" panose="020F0502020204030204" pitchFamily="34" charset="0"/>
+              </a:rPr>
+              <a:t> </a:t>
+            </a:r>
+            <a:r>
+              <a:rPr lang="fr-FR" b="1" dirty="0" smtClean="0">
+                <a:solidFill>
+                  <a:schemeClr val="tx2"/>
+                </a:solidFill>
+                <a:latin typeface="Calibri" panose="020F0502020204030204" pitchFamily="34" charset="0"/>
+              </a:rPr>
+              <a:t>Des exemples correspondant au public de la formation pourront être proposés ou construits.</a:t>
+            </a:r>
+            <a:endParaRPr lang="fr-FR" b="1" dirty="0">
+              <a:solidFill>
+                <a:schemeClr val="tx2"/>
+              </a:solidFill>
+              <a:latin typeface="Calibri" panose="020F0502020204030204" pitchFamily="34" charset="0"/>
+            </a:endParaRPr>
+          </a:p>
+        </p:txBody>
+      </p:sp>
+      <p:sp>
+        <p:nvSpPr>
+          <p:cNvPr id="3" name="Espace réservé du contenu 2"/>
+          <p:cNvSpPr>
+            <a:spLocks noGrp="1"/>
+          </p:cNvSpPr>
+          <p:nvPr>
+            <p:ph idx="1"/>
+          </p:nvPr>
+        </p:nvSpPr>
+        <p:spPr>
+          <a:xfrm>
+            <a:off x="457200" y="1600200"/>
+            <a:ext cx="5765470" cy="4681847"/>
+          </a:xfrm>
+        </p:spPr>
+        <p:txBody>
+          <a:bodyPr>
+            <a:normAutofit fontScale="92500" lnSpcReduction="20000"/>
+          </a:bodyPr>
+          <a:lstStyle/>
+          <a:p>
+            <a:r>
+              <a:rPr lang="fr-FR" dirty="0" smtClean="0"/>
+              <a:t>Scilab-XCOS</a:t>
+            </a:r>
+          </a:p>
+          <a:p>
+            <a:pPr lvl="1"/>
+            <a:r>
+              <a:rPr lang="fr-FR" dirty="0" smtClean="0"/>
+              <a:t>Scilab est un logiciel libre de calcul numérique</a:t>
+            </a:r>
+          </a:p>
+          <a:p>
+            <a:pPr lvl="1"/>
+            <a:r>
+              <a:rPr lang="fr-FR" dirty="0" smtClean="0"/>
+              <a:t>XCOS est un module permettant de modéliser un système par bloc. </a:t>
+            </a:r>
+          </a:p>
+          <a:p>
+            <a:r>
+              <a:rPr lang="fr-FR" dirty="0" smtClean="0"/>
+              <a:t>Application destinée à la formation :</a:t>
+            </a:r>
+          </a:p>
+          <a:p>
+            <a:pPr lvl="1"/>
+            <a:r>
+              <a:rPr lang="fr-FR" dirty="0" smtClean="0"/>
+              <a:t>Modélisation d’un moteur à courant continu et de sa commande</a:t>
+            </a:r>
+          </a:p>
+          <a:p>
+            <a:r>
+              <a:rPr lang="fr-FR" dirty="0" smtClean="0"/>
+              <a:t>Applications pédagogiques proposées :</a:t>
+            </a:r>
+          </a:p>
+          <a:p>
+            <a:pPr lvl="1"/>
+            <a:r>
+              <a:rPr lang="fr-FR" dirty="0" smtClean="0"/>
+              <a:t>TD sur le Moteur à courant continu</a:t>
+            </a:r>
+          </a:p>
+          <a:p>
+            <a:pPr lvl="1"/>
+            <a:r>
+              <a:rPr lang="fr-FR" dirty="0" smtClean="0"/>
+              <a:t>Pilote automatique de bateau</a:t>
+            </a:r>
+          </a:p>
+          <a:p>
+            <a:pPr lvl="2"/>
+            <a:r>
+              <a:rPr lang="fr-FR" dirty="0" smtClean="0"/>
+              <a:t>Vérification de la consommation électrique</a:t>
+            </a:r>
+          </a:p>
+          <a:p>
+            <a:pPr lvl="2"/>
+            <a:r>
+              <a:rPr lang="fr-FR" dirty="0" smtClean="0"/>
+              <a:t>Modélisation du comportement du pilote en  condition climatique agitée</a:t>
+            </a:r>
+          </a:p>
+          <a:p>
+            <a:pPr lvl="2"/>
+            <a:r>
+              <a:rPr lang="fr-FR" dirty="0" smtClean="0"/>
+              <a:t>…</a:t>
+            </a:r>
+          </a:p>
+          <a:p>
+            <a:pPr lvl="1"/>
+            <a:r>
+              <a:rPr lang="fr-FR" dirty="0" smtClean="0"/>
+              <a:t>Portail TPSET</a:t>
+            </a:r>
+          </a:p>
+          <a:p>
+            <a:pPr lvl="2"/>
+            <a:r>
+              <a:rPr lang="fr-FR" dirty="0" smtClean="0"/>
+              <a:t>Analyse du modèle du portail</a:t>
+            </a:r>
+          </a:p>
+          <a:p>
+            <a:endParaRPr lang="fr-FR" dirty="0"/>
+          </a:p>
+        </p:txBody>
+      </p:sp>
+      <p:pic>
+        <p:nvPicPr>
+          <p:cNvPr id="1026" name="Picture 2"/>
+          <p:cNvPicPr>
+            <a:picLocks noChangeAspect="1" noChangeArrowheads="1"/>
+          </p:cNvPicPr>
+          <p:nvPr/>
+        </p:nvPicPr>
+        <p:blipFill>
+          <a:blip r:embed="rId3">
+            <a:extLst>
+              <a:ext uri="{28A0092B-C50C-407E-A947-70E740481C1C}">
+                <a14:useLocalDpi xmlns:a14="http://schemas.microsoft.com/office/drawing/2010/main" val="0"/>
+              </a:ext>
+            </a:extLst>
+          </a:blip>
+          <a:srcRect/>
+          <a:stretch>
+            <a:fillRect/>
+          </a:stretch>
+        </p:blipFill>
+        <p:spPr bwMode="auto">
+          <a:xfrm>
+            <a:off x="5694482" y="1939246"/>
+            <a:ext cx="3449518" cy="1563976"/>
+          </a:xfrm>
+          <a:prstGeom prst="rect">
+            <a:avLst/>
+          </a:prstGeom>
+          <a:noFill/>
+          <a:ln>
+            <a:noFill/>
+          </a:ln>
+          <a:effectLst/>
+          <a:extLst>
+            <a:ext uri="{909E8E84-426E-40DD-AFC4-6F175D3DCCD1}">
+              <a14:hiddenFill xmlns:a14="http://schemas.microsoft.com/office/drawing/2010/main">
+                <a:solidFill>
+                  <a:schemeClr val="accent1"/>
+                </a:solidFill>
+              </a14:hiddenFill>
+            </a:ext>
+            <a:ext uri="{91240B29-F687-4F45-9708-019B960494DF}">
+              <a14:hiddenLine xmlns:a14="http://schemas.microsoft.com/office/drawing/2010/main" w="9525">
+                <a:solidFill>
+                  <a:schemeClr val="tx1"/>
+                </a:solidFill>
+                <a:miter lim="800000"/>
+                <a:headEnd/>
+                <a:tailEnd/>
+              </a14:hiddenLine>
+            </a:ext>
+            <a:ext uri="{AF507438-7753-43E0-B8FC-AC1667EBCBE1}">
+              <a14:hiddenEffects xmlns:a14="http://schemas.microsoft.com/office/drawing/2010/main">
+                <a:effectLst>
+                  <a:outerShdw dist="35921" dir="2700000" algn="ctr" rotWithShape="0">
+                    <a:schemeClr val="bg2"/>
+                  </a:outerShdw>
+                </a:effectLst>
+              </a14:hiddenEffects>
+            </a:ext>
+          </a:extLst>
+        </p:spPr>
+      </p:pic>
+      <p:pic>
+        <p:nvPicPr>
+          <p:cNvPr id="11" name="Image 10"/>
+          <p:cNvPicPr/>
+          <p:nvPr/>
+        </p:nvPicPr>
+        <p:blipFill>
+          <a:blip r:embed="rId4">
+            <a:extLst>
+              <a:ext uri="{28A0092B-C50C-407E-A947-70E740481C1C}">
+                <a14:useLocalDpi xmlns:a14="http://schemas.microsoft.com/office/drawing/2010/main" val="0"/>
+              </a:ext>
+            </a:extLst>
+          </a:blip>
+          <a:srcRect/>
+          <a:stretch>
+            <a:fillRect/>
+          </a:stretch>
+        </p:blipFill>
+        <p:spPr bwMode="auto">
+          <a:xfrm>
+            <a:off x="6174740" y="3633851"/>
+            <a:ext cx="2512060" cy="2286000"/>
+          </a:xfrm>
+          <a:prstGeom prst="rect">
+            <a:avLst/>
+          </a:prstGeom>
+          <a:noFill/>
+        </p:spPr>
+      </p:pic>
+    </p:spTree>
+    <p:extLst>
+      <p:ext uri="{BB962C8B-B14F-4D97-AF65-F5344CB8AC3E}">
+        <p14:creationId xmlns:p14="http://schemas.microsoft.com/office/powerpoint/2010/main" val="2718835750"/>
+      </p:ext>
+    </p:extLst>
+  </p:cSld>
+  <p:clrMapOvr>
+    <a:masterClrMapping/>
+  </p:clrMapOvr>
+</p:sld>
+</file>
+
+<file path=ppt/slides/slide4.xml><?xml version="1.0" encoding="utf-8"?>
+<p:sld xmlns:a="http://schemas.openxmlformats.org/drawingml/2006/main" xmlns:r="http://schemas.openxmlformats.org/officeDocument/2006/relationships" xmlns:p="http://schemas.openxmlformats.org/presentationml/2006/main">
+  <p:cSld>
+    <p:spTree>
+      <p:nvGrpSpPr>
+        <p:cNvPr id="1" name=""/>
+        <p:cNvGrpSpPr/>
+        <p:nvPr/>
+      </p:nvGrpSpPr>
+      <p:grpSpPr>
+        <a:xfrm>
+          <a:off x="0" y="0"/>
+          <a:ext cx="0" cy="0"/>
+          <a:chOff x="0" y="0"/>
+          <a:chExt cx="0" cy="0"/>
+        </a:xfrm>
+      </p:grpSpPr>
+      <p:sp>
+        <p:nvSpPr>
+          <p:cNvPr id="2" name="Titre 1"/>
+          <p:cNvSpPr>
+            <a:spLocks noGrp="1"/>
+          </p:cNvSpPr>
+          <p:nvPr>
+            <p:ph type="title"/>
+          </p:nvPr>
+        </p:nvSpPr>
+        <p:spPr/>
+        <p:txBody>
+          <a:bodyPr/>
+          <a:lstStyle/>
+          <a:p>
+            <a:r>
+              <a:rPr lang="fr-FR" dirty="0" smtClean="0"/>
+              <a:t>Prérequis et contact</a:t>
+            </a:r>
+            <a:endParaRPr lang="fr-FR" dirty="0"/>
+          </a:p>
+        </p:txBody>
+      </p:sp>
+      <p:sp>
+        <p:nvSpPr>
+          <p:cNvPr id="3" name="Espace réservé du contenu 2"/>
+          <p:cNvSpPr>
+            <a:spLocks noGrp="1"/>
+          </p:cNvSpPr>
+          <p:nvPr>
+            <p:ph idx="1"/>
+          </p:nvPr>
+        </p:nvSpPr>
+        <p:spPr>
+          <a:xfrm>
+            <a:off x="0" y="1600200"/>
+            <a:ext cx="8858992" cy="4876800"/>
+          </a:xfrm>
+        </p:spPr>
+        <p:txBody>
+          <a:bodyPr>
+            <a:normAutofit fontScale="92500"/>
+          </a:bodyPr>
+          <a:lstStyle/>
+          <a:p>
+            <a:r>
+              <a:rPr lang="fr-FR" dirty="0" smtClean="0"/>
+              <a:t>Prérequis : </a:t>
+            </a:r>
+          </a:p>
+          <a:p>
+            <a:pPr lvl="1"/>
+            <a:r>
+              <a:rPr lang="fr-FR" dirty="0" smtClean="0"/>
+              <a:t>Aucun prérequis n’est nécessaire</a:t>
+            </a:r>
+            <a:endParaRPr lang="fr-FR" dirty="0" smtClean="0"/>
+          </a:p>
+          <a:p>
+            <a:pPr lvl="1"/>
+            <a:r>
+              <a:rPr lang="fr-FR" dirty="0" smtClean="0"/>
+              <a:t>Aucune connaissance de Scilab ou </a:t>
+            </a:r>
+            <a:r>
+              <a:rPr lang="fr-FR" dirty="0" err="1" smtClean="0"/>
+              <a:t>Xcos</a:t>
+            </a:r>
+            <a:r>
+              <a:rPr lang="fr-FR" dirty="0" smtClean="0"/>
+              <a:t> n’est nécessaire</a:t>
+            </a:r>
+            <a:endParaRPr lang="fr-FR" dirty="0" smtClean="0"/>
+          </a:p>
+          <a:p>
+            <a:r>
+              <a:rPr lang="fr-FR" dirty="0" smtClean="0"/>
+              <a:t>Besoins </a:t>
+            </a:r>
+            <a:r>
+              <a:rPr lang="fr-FR" dirty="0" smtClean="0"/>
+              <a:t>logiciels </a:t>
+            </a:r>
+            <a:r>
+              <a:rPr lang="fr-FR" sz="1600" b="1" dirty="0" smtClean="0"/>
+              <a:t>(dans le cas où le professeur voudrait assister à la formation avec son ordinateur personnel)</a:t>
+            </a:r>
+            <a:endParaRPr lang="fr-FR" b="1" dirty="0" smtClean="0"/>
+          </a:p>
+          <a:p>
+            <a:pPr lvl="3"/>
+            <a:r>
+              <a:rPr lang="fr-FR" dirty="0" smtClean="0"/>
+              <a:t>Scilab</a:t>
+            </a:r>
+          </a:p>
+          <a:p>
+            <a:pPr lvl="3"/>
+            <a:r>
+              <a:rPr lang="fr-FR" dirty="0" smtClean="0"/>
+              <a:t>Module XCOS</a:t>
+            </a:r>
+          </a:p>
+          <a:p>
+            <a:pPr lvl="3"/>
+            <a:r>
+              <a:rPr lang="fr-FR" dirty="0" smtClean="0"/>
+              <a:t>Compilateur C (installable avec </a:t>
+            </a:r>
+            <a:r>
+              <a:rPr lang="fr-FR" dirty="0" err="1" smtClean="0"/>
+              <a:t>xcos</a:t>
+            </a:r>
+            <a:r>
+              <a:rPr lang="fr-FR" dirty="0" smtClean="0"/>
+              <a:t> sur les ordinateurs en 32 bits)</a:t>
+            </a:r>
+          </a:p>
+          <a:p>
+            <a:pPr lvl="3"/>
+            <a:r>
+              <a:rPr lang="fr-FR" dirty="0" smtClean="0"/>
+              <a:t>Modules CPGE et SIMM</a:t>
+            </a:r>
+          </a:p>
+          <a:p>
+            <a:pPr lvl="3"/>
+            <a:r>
+              <a:rPr lang="fr-FR" dirty="0" smtClean="0"/>
+              <a:t>Pour vérifier que l’installation est fonctionnelle, s’adresser aux formateurs avant la formation. </a:t>
+            </a:r>
+            <a:endParaRPr lang="fr-FR" dirty="0" smtClean="0"/>
+          </a:p>
+          <a:p>
+            <a:pPr lvl="1"/>
+            <a:endParaRPr lang="fr-FR" dirty="0"/>
+          </a:p>
+          <a:p>
+            <a:pPr lvl="1"/>
+            <a:endParaRPr lang="fr-FR" dirty="0" smtClean="0"/>
+          </a:p>
+          <a:p>
+            <a:r>
+              <a:rPr lang="fr-FR" dirty="0" smtClean="0"/>
+              <a:t>Contacts</a:t>
+            </a:r>
+          </a:p>
+          <a:p>
+            <a:pPr lvl="2"/>
+            <a:r>
+              <a:rPr lang="fr-FR" dirty="0"/>
               <a:t>Patrick Beynet – Lycée Rouvière Toulon – </a:t>
             </a:r>
             <a:r>
-              <a:rPr lang="fr-FR" sz="2000" dirty="0" smtClean="0">
+              <a:rPr lang="fr-FR" dirty="0">
+                <a:hlinkClick r:id="rId3"/>
+              </a:rPr>
+              <a:t>patrick.beynet@libertysurf.fr</a:t>
+            </a:r>
+            <a:endParaRPr lang="fr-FR" dirty="0"/>
+          </a:p>
+          <a:p>
+            <a:pPr lvl="2"/>
+            <a:r>
+              <a:rPr lang="fr-FR" dirty="0"/>
+              <a:t>Xavier Pessoles – Lycée Rouvière Toulon – </a:t>
+            </a:r>
+            <a:r>
+              <a:rPr lang="fr-FR" dirty="0">
                 <a:hlinkClick r:id="rId4"/>
               </a:rPr>
-              <a:t>patrick.beynet@libertysurf.fr</a:t>
-            </a:r>
-            <a:endParaRPr lang="fr-FR" sz="2000" dirty="0" smtClean="0"/>
-          </a:p>
-          <a:p>
-            <a:r>
-              <a:rPr lang="fr-FR" sz="2000" dirty="0" smtClean="0"/>
-              <a:t>Xavier Pessoles – Lycée Rouvière Toulon – </a:t>
-            </a:r>
-            <a:r>
-              <a:rPr lang="fr-FR" sz="2000" dirty="0" smtClean="0">
-                <a:hlinkClick r:id="rId5"/>
-              </a:rPr>
               <a:t>xavier.pessoles@free.fr</a:t>
             </a:r>
-            <a:endParaRPr lang="fr-FR" sz="2000" dirty="0" smtClean="0"/>
-          </a:p>
-          <a:p>
-            <a:endParaRPr lang="fr-FR" sz="2000" dirty="0" smtClean="0"/>
+            <a:endParaRPr lang="fr-FR" dirty="0"/>
+          </a:p>
+          <a:p>
+            <a:endParaRPr lang="fr-FR" dirty="0"/>
+          </a:p>
+          <a:p>
+            <a:endParaRPr lang="fr-FR" dirty="0" smtClean="0"/>
+          </a:p>
+          <a:p>
+            <a:pPr lvl="1"/>
+            <a:endParaRPr lang="fr-FR" dirty="0" smtClean="0"/>
+          </a:p>
+        </p:txBody>
+      </p:sp>
+      <p:sp>
+        <p:nvSpPr>
+          <p:cNvPr id="4" name="Espace réservé du pied de page 3"/>
+          <p:cNvSpPr>
+            <a:spLocks noGrp="1"/>
+          </p:cNvSpPr>
+          <p:nvPr>
+            <p:ph type="ftr" sz="quarter" idx="11"/>
+          </p:nvPr>
+        </p:nvSpPr>
+        <p:spPr/>
+        <p:txBody>
+          <a:bodyPr/>
+          <a:lstStyle/>
+          <a:p>
+            <a:r>
+              <a:rPr lang="fr-FR" smtClean="0"/>
+              <a:t>Académie de Nice - PAF 2015</a:t>
+            </a:r>
+            <a:endParaRPr lang="fr-FR"/>
           </a:p>
         </p:txBody>
       </p:sp>

--- a/01_ModelisationMultiphysique/Administratif/SCIL1_PPT.pptx
+++ b/01_ModelisationMultiphysique/Administratif/SCIL1_PPT.pptx
@@ -198,7 +198,8 @@
           <a:p>
             <a:fld id="{A2604479-CBC5-3546-8A0D-DC7D3BA30544}" type="datetimeFigureOut">
               <a:rPr lang="fr-FR" smtClean="0"/>
-              <a:t>01/12/2014</a:t>
+              <a:pPr/>
+              <a:t>06/12/2014</a:t>
             </a:fld>
             <a:endParaRPr lang="fr-FR"/>
           </a:p>
@@ -264,6 +265,7 @@
           <a:p>
             <a:fld id="{F34030A3-A5D3-C641-8CA3-9440A0A1CBC5}" type="slidenum">
               <a:rPr lang="fr-FR" smtClean="0"/>
+              <a:pPr/>
               <a:t>‹N°›</a:t>
             </a:fld>
             <a:endParaRPr lang="fr-FR"/>
@@ -273,7 +275,7 @@
     </p:spTree>
     <p:extLst>
       <p:ext uri="{BB962C8B-B14F-4D97-AF65-F5344CB8AC3E}">
-        <p14:creationId xmlns:p14="http://schemas.microsoft.com/office/powerpoint/2010/main" val="3414476341"/>
+        <p14:creationId xmlns:p14="http://schemas.microsoft.com/office/powerpoint/2010/main" xmlns="" val="3414476341"/>
       </p:ext>
     </p:extLst>
   </p:cSld>
@@ -364,7 +366,8 @@
           <a:p>
             <a:fld id="{7F4FFA02-BD9A-5445-8E51-E6D5A4E1DD4B}" type="datetimeFigureOut">
               <a:rPr lang="fr-FR" smtClean="0"/>
-              <a:t>01/12/2014</a:t>
+              <a:pPr/>
+              <a:t>06/12/2014</a:t>
             </a:fld>
             <a:endParaRPr lang="fr-FR"/>
           </a:p>
@@ -523,6 +526,7 @@
           <a:p>
             <a:fld id="{D69D4C5C-07DB-4146-8BDE-61540ADB1C9B}" type="slidenum">
               <a:rPr lang="fr-FR" smtClean="0"/>
+              <a:pPr/>
               <a:t>‹N°›</a:t>
             </a:fld>
             <a:endParaRPr lang="fr-FR"/>
@@ -532,7 +536,7 @@
     </p:spTree>
     <p:extLst>
       <p:ext uri="{BB962C8B-B14F-4D97-AF65-F5344CB8AC3E}">
-        <p14:creationId xmlns:p14="http://schemas.microsoft.com/office/powerpoint/2010/main" val="401334093"/>
+        <p14:creationId xmlns:p14="http://schemas.microsoft.com/office/powerpoint/2010/main" xmlns="" val="401334093"/>
       </p:ext>
     </p:extLst>
   </p:cSld>
@@ -683,11 +687,7 @@
             </a:r>
             <a:r>
               <a:rPr lang="fr-FR" baseline="0" dirty="0" smtClean="0"/>
-              <a:t> formation d’une journée propose </a:t>
-            </a:r>
-            <a:r>
-              <a:rPr lang="fr-FR" baseline="0" dirty="0" smtClean="0"/>
-              <a:t>de découvrir la modélisation multiphysique en s’appuyant sur le logiciel Scilab ainsi que son module XCOS.</a:t>
+              <a:t> formation d’une journée propose de découvrir la modélisation multiphysique en s’appuyant sur le logiciel Scilab ainsi que son module XCOS.</a:t>
             </a:r>
           </a:p>
           <a:p>
@@ -712,6 +712,7 @@
           <a:p>
             <a:fld id="{D69D4C5C-07DB-4146-8BDE-61540ADB1C9B}" type="slidenum">
               <a:rPr lang="fr-FR" smtClean="0"/>
+              <a:pPr/>
               <a:t>1</a:t>
             </a:fld>
             <a:endParaRPr lang="fr-FR"/>
@@ -721,7 +722,7 @@
     </p:spTree>
     <p:extLst>
       <p:ext uri="{BB962C8B-B14F-4D97-AF65-F5344CB8AC3E}">
-        <p14:creationId xmlns:p14="http://schemas.microsoft.com/office/powerpoint/2010/main" val="2560094274"/>
+        <p14:creationId xmlns:p14="http://schemas.microsoft.com/office/powerpoint/2010/main" xmlns="" val="2560094274"/>
       </p:ext>
     </p:extLst>
   </p:cSld>
@@ -783,7 +784,23 @@
           <a:p>
             <a:r>
               <a:rPr lang="fr-FR" baseline="0" dirty="0" smtClean="0"/>
-              <a:t> - électronique et électrotechnique, mécanique, hydraulique, thermique etc.</a:t>
+              <a:t> - </a:t>
+            </a:r>
+            <a:r>
+              <a:rPr lang="fr-FR" baseline="0" dirty="0" smtClean="0"/>
+              <a:t>électrique, électrotechnique</a:t>
+            </a:r>
+            <a:r>
+              <a:rPr lang="fr-FR" baseline="0" dirty="0" smtClean="0"/>
+              <a:t>, </a:t>
+            </a:r>
+            <a:r>
+              <a:rPr lang="fr-FR" baseline="0" dirty="0" smtClean="0"/>
+              <a:t>électronique, mécanique</a:t>
+            </a:r>
+            <a:r>
+              <a:rPr lang="fr-FR" baseline="0" dirty="0" smtClean="0"/>
+              <a:t>, hydraulique, thermique etc.</a:t>
             </a:r>
           </a:p>
           <a:p>
@@ -792,15 +809,39 @@
           <a:p>
             <a:r>
               <a:rPr lang="fr-FR" baseline="0" dirty="0" smtClean="0"/>
-              <a:t>Ainsi dans cet exemple possible de modéliser toutes les composantes d’un moteur à courant continu à savoir les parties électriques, </a:t>
-            </a:r>
-            <a:r>
-              <a:rPr lang="fr-FR" baseline="0" dirty="0" err="1" smtClean="0"/>
-              <a:t>életrotechniques</a:t>
+              <a:t>Ainsi dans cet </a:t>
             </a:r>
             <a:r>
               <a:rPr lang="fr-FR" baseline="0" dirty="0" smtClean="0"/>
-              <a:t> et mécaniques. </a:t>
+              <a:t>exemple, il est </a:t>
+            </a:r>
+            <a:r>
+              <a:rPr lang="fr-FR" baseline="0" dirty="0" smtClean="0"/>
+              <a:t>possible de modéliser </a:t>
+            </a:r>
+            <a:r>
+              <a:rPr lang="fr-FR" baseline="0" dirty="0" smtClean="0"/>
+              <a:t>un </a:t>
+            </a:r>
+            <a:r>
+              <a:rPr lang="fr-FR" baseline="0" dirty="0" smtClean="0"/>
+              <a:t>moteur à courant continu </a:t>
+            </a:r>
+            <a:r>
+              <a:rPr lang="fr-FR" baseline="0" dirty="0" smtClean="0"/>
+              <a:t>par des parties </a:t>
+            </a:r>
+            <a:r>
+              <a:rPr lang="fr-FR" baseline="0" dirty="0" smtClean="0"/>
+              <a:t>électriques, </a:t>
+            </a:r>
+            <a:r>
+              <a:rPr lang="fr-FR" baseline="0" dirty="0" smtClean="0"/>
+              <a:t>électrotechniques </a:t>
+            </a:r>
+            <a:r>
+              <a:rPr lang="fr-FR" baseline="0" dirty="0" smtClean="0"/>
+              <a:t>et mécaniques. </a:t>
             </a:r>
           </a:p>
           <a:p>
@@ -831,6 +872,7 @@
           <a:p>
             <a:fld id="{D69D4C5C-07DB-4146-8BDE-61540ADB1C9B}" type="slidenum">
               <a:rPr lang="fr-FR" smtClean="0"/>
+              <a:pPr/>
               <a:t>2</a:t>
             </a:fld>
             <a:endParaRPr lang="fr-FR"/>
@@ -840,7 +882,7 @@
     </p:spTree>
     <p:extLst>
       <p:ext uri="{BB962C8B-B14F-4D97-AF65-F5344CB8AC3E}">
-        <p14:creationId xmlns:p14="http://schemas.microsoft.com/office/powerpoint/2010/main" val="3804525864"/>
+        <p14:creationId xmlns:p14="http://schemas.microsoft.com/office/powerpoint/2010/main" xmlns="" val="3804525864"/>
       </p:ext>
     </p:extLst>
   </p:cSld>
@@ -916,7 +958,19 @@
             </a:r>
             <a:r>
               <a:rPr lang="fr-FR" baseline="0" dirty="0" smtClean="0"/>
-              <a:t> car en terme de modélisation des systèmes multiphysique, il est en adéquation avec les besoins des programmes des filières SSI et STI2D. </a:t>
+              <a:t> car en terme de modélisation des systèmes </a:t>
+            </a:r>
+            <a:r>
+              <a:rPr lang="fr-FR" baseline="0" dirty="0" err="1" smtClean="0"/>
+              <a:t>multiphysiques</a:t>
+            </a:r>
+            <a:r>
+              <a:rPr lang="fr-FR" baseline="0" dirty="0" smtClean="0"/>
+              <a:t>, </a:t>
+            </a:r>
+            <a:r>
+              <a:rPr lang="fr-FR" baseline="0" dirty="0" smtClean="0"/>
+              <a:t>il est en adéquation avec les besoins des programmes des filières SSI et STI2D. </a:t>
             </a:r>
           </a:p>
           <a:p>
@@ -926,7 +980,7 @@
             </a:r>
             <a:r>
               <a:rPr lang="fr-FR" baseline="0" dirty="0" err="1" smtClean="0"/>
-              <a:t>xcos</a:t>
+              <a:t>Xcos</a:t>
             </a:r>
             <a:r>
               <a:rPr lang="fr-FR" baseline="0" dirty="0" smtClean="0"/>
@@ -964,6 +1018,7 @@
           <a:p>
             <a:fld id="{D69D4C5C-07DB-4146-8BDE-61540ADB1C9B}" type="slidenum">
               <a:rPr lang="fr-FR" smtClean="0"/>
+              <a:pPr/>
               <a:t>3</a:t>
             </a:fld>
             <a:endParaRPr lang="fr-FR"/>
@@ -973,7 +1028,7 @@
     </p:spTree>
     <p:extLst>
       <p:ext uri="{BB962C8B-B14F-4D97-AF65-F5344CB8AC3E}">
-        <p14:creationId xmlns:p14="http://schemas.microsoft.com/office/powerpoint/2010/main" val="1028214212"/>
+        <p14:creationId xmlns:p14="http://schemas.microsoft.com/office/powerpoint/2010/main" xmlns="" val="1028214212"/>
       </p:ext>
     </p:extLst>
   </p:cSld>
@@ -1066,6 +1121,7 @@
           <a:p>
             <a:fld id="{D69D4C5C-07DB-4146-8BDE-61540ADB1C9B}" type="slidenum">
               <a:rPr lang="fr-FR" smtClean="0"/>
+              <a:pPr/>
               <a:t>4</a:t>
             </a:fld>
             <a:endParaRPr lang="fr-FR"/>
@@ -1075,7 +1131,7 @@
     </p:spTree>
     <p:extLst>
       <p:ext uri="{BB962C8B-B14F-4D97-AF65-F5344CB8AC3E}">
-        <p14:creationId xmlns:p14="http://schemas.microsoft.com/office/powerpoint/2010/main" val="1495809067"/>
+        <p14:creationId xmlns:p14="http://schemas.microsoft.com/office/powerpoint/2010/main" xmlns="" val="1495809067"/>
       </p:ext>
     </p:extLst>
   </p:cSld>
@@ -1273,7 +1329,8 @@
           <a:p>
             <a:fld id="{6709E43B-9441-6341-BD63-84DDA1A9C3FB}" type="datetime1">
               <a:rPr lang="fr-FR" smtClean="0"/>
-              <a:t>01/12/2014</a:t>
+              <a:pPr/>
+              <a:t>06/12/2014</a:t>
             </a:fld>
             <a:endParaRPr lang="fr-FR"/>
           </a:p>
@@ -1319,6 +1376,7 @@
           <a:p>
             <a:fld id="{5FD889E0-CAB2-4699-909D-B9A88D47ACBE}" type="slidenum">
               <a:rPr lang="en-US" smtClean="0"/>
+              <a:pPr/>
               <a:t>‹N°›</a:t>
             </a:fld>
             <a:endParaRPr lang="en-US"/>
@@ -1477,7 +1535,8 @@
           <a:p>
             <a:fld id="{268AA955-8B04-894F-8FDF-A5E12E980EDC}" type="datetime1">
               <a:rPr lang="fr-FR" smtClean="0"/>
-              <a:t>01/12/2014</a:t>
+              <a:pPr/>
+              <a:t>06/12/2014</a:t>
             </a:fld>
             <a:endParaRPr lang="fr-FR"/>
           </a:p>
@@ -1523,6 +1582,7 @@
           <a:p>
             <a:fld id="{9B8334CA-52B9-8B4B-AA0F-E9B48CBEA1E4}" type="slidenum">
               <a:rPr lang="fr-FR" smtClean="0"/>
+              <a:pPr/>
               <a:t>‹N°›</a:t>
             </a:fld>
             <a:endParaRPr lang="fr-FR"/>
@@ -1656,7 +1716,8 @@
           <a:p>
             <a:fld id="{FDC97532-5F56-764F-9C75-F53758D5A21E}" type="datetime1">
               <a:rPr lang="fr-FR" smtClean="0"/>
-              <a:t>01/12/2014</a:t>
+              <a:pPr/>
+              <a:t>06/12/2014</a:t>
             </a:fld>
             <a:endParaRPr lang="fr-FR"/>
           </a:p>
@@ -1702,6 +1763,7 @@
           <a:p>
             <a:fld id="{9B8334CA-52B9-8B4B-AA0F-E9B48CBEA1E4}" type="slidenum">
               <a:rPr lang="fr-FR" smtClean="0"/>
+              <a:pPr/>
               <a:t>‹N°›</a:t>
             </a:fld>
             <a:endParaRPr lang="fr-FR"/>
@@ -1851,7 +1913,8 @@
           <a:p>
             <a:fld id="{EC050341-9FD1-4D41-897E-C16A13D412D6}" type="datetime1">
               <a:rPr lang="fr-FR" smtClean="0"/>
-              <a:t>01/12/2014</a:t>
+              <a:pPr/>
+              <a:t>06/12/2014</a:t>
             </a:fld>
             <a:endParaRPr lang="fr-FR"/>
           </a:p>
@@ -1897,6 +1960,7 @@
           <a:p>
             <a:fld id="{9B8334CA-52B9-8B4B-AA0F-E9B48CBEA1E4}" type="slidenum">
               <a:rPr lang="fr-FR" smtClean="0"/>
+              <a:pPr/>
               <a:t>‹N°›</a:t>
             </a:fld>
             <a:endParaRPr lang="fr-FR"/>
@@ -2110,7 +2174,8 @@
           <a:p>
             <a:fld id="{267F1CD6-E1AD-4847-B8D2-9BC7541D26A9}" type="datetime1">
               <a:rPr lang="fr-FR" smtClean="0"/>
-              <a:t>01/12/2014</a:t>
+              <a:pPr/>
+              <a:t>06/12/2014</a:t>
             </a:fld>
             <a:endParaRPr lang="fr-FR"/>
           </a:p>
@@ -2156,6 +2221,7 @@
           <a:p>
             <a:fld id="{4A822907-8A9D-4F6B-98F6-913902AD56B5}" type="slidenum">
               <a:rPr lang="en-US" smtClean="0"/>
+              <a:pPr/>
               <a:t>‹N°›</a:t>
             </a:fld>
             <a:endParaRPr lang="en-US"/>
@@ -2432,7 +2498,8 @@
           <a:p>
             <a:fld id="{377C4889-60B5-CD4F-97E2-5B317AA429BB}" type="datetime1">
               <a:rPr lang="fr-FR" smtClean="0"/>
-              <a:t>01/12/2014</a:t>
+              <a:pPr/>
+              <a:t>06/12/2014</a:t>
             </a:fld>
             <a:endParaRPr lang="fr-FR"/>
           </a:p>
@@ -2478,6 +2545,7 @@
           <a:p>
             <a:fld id="{9B8334CA-52B9-8B4B-AA0F-E9B48CBEA1E4}" type="slidenum">
               <a:rPr lang="fr-FR" smtClean="0"/>
+              <a:pPr/>
               <a:t>‹N°›</a:t>
             </a:fld>
             <a:endParaRPr lang="fr-FR"/>
@@ -2902,7 +2970,8 @@
           <a:p>
             <a:fld id="{0FA1CA9B-4F70-864C-920B-92AD8DFE7583}" type="datetime1">
               <a:rPr lang="fr-FR" smtClean="0"/>
-              <a:t>01/12/2014</a:t>
+              <a:pPr/>
+              <a:t>06/12/2014</a:t>
             </a:fld>
             <a:endParaRPr lang="fr-FR"/>
           </a:p>
@@ -2948,6 +3017,7 @@
           <a:p>
             <a:fld id="{9B8334CA-52B9-8B4B-AA0F-E9B48CBEA1E4}" type="slidenum">
               <a:rPr lang="fr-FR" smtClean="0"/>
+              <a:pPr/>
               <a:t>‹N°›</a:t>
             </a:fld>
             <a:endParaRPr lang="fr-FR"/>
@@ -3054,7 +3124,8 @@
           <a:p>
             <a:fld id="{4F2CC383-4EE0-2241-AEE6-2AAA6580B403}" type="datetime1">
               <a:rPr lang="fr-FR" smtClean="0"/>
-              <a:t>01/12/2014</a:t>
+              <a:pPr/>
+              <a:t>06/12/2014</a:t>
             </a:fld>
             <a:endParaRPr lang="fr-FR"/>
           </a:p>
@@ -3100,6 +3171,7 @@
           <a:p>
             <a:fld id="{9B8334CA-52B9-8B4B-AA0F-E9B48CBEA1E4}" type="slidenum">
               <a:rPr lang="fr-FR" smtClean="0"/>
+              <a:pPr/>
               <a:t>‹N°›</a:t>
             </a:fld>
             <a:endParaRPr lang="fr-FR"/>
@@ -3148,7 +3220,8 @@
           <a:p>
             <a:fld id="{3F29AFFA-2E38-E240-9E76-4B3B98489A6D}" type="datetime1">
               <a:rPr lang="fr-FR" smtClean="0"/>
-              <a:t>01/12/2014</a:t>
+              <a:pPr/>
+              <a:t>06/12/2014</a:t>
             </a:fld>
             <a:endParaRPr lang="fr-FR"/>
           </a:p>
@@ -3194,6 +3267,7 @@
           <a:p>
             <a:fld id="{9B8334CA-52B9-8B4B-AA0F-E9B48CBEA1E4}" type="slidenum">
               <a:rPr lang="fr-FR" smtClean="0"/>
+              <a:pPr/>
               <a:t>‹N°›</a:t>
             </a:fld>
             <a:endParaRPr lang="fr-FR"/>
@@ -3426,7 +3500,8 @@
           <a:p>
             <a:fld id="{BC66C2F2-1133-B742-8E81-ACE648734598}" type="datetime1">
               <a:rPr lang="fr-FR" smtClean="0"/>
-              <a:t>01/12/2014</a:t>
+              <a:pPr/>
+              <a:t>06/12/2014</a:t>
             </a:fld>
             <a:endParaRPr lang="fr-FR"/>
           </a:p>
@@ -3472,6 +3547,7 @@
           <a:p>
             <a:fld id="{7F5CE407-6216-4202-80E4-A30DC2F709B2}" type="slidenum">
               <a:rPr lang="en-US" smtClean="0"/>
+              <a:pPr/>
               <a:t>‹N°›</a:t>
             </a:fld>
             <a:endParaRPr lang="en-US"/>
@@ -3735,7 +3811,8 @@
           <a:p>
             <a:fld id="{7312FBEE-7E81-E746-8617-1B9234528FDD}" type="datetime1">
               <a:rPr lang="fr-FR" smtClean="0"/>
-              <a:t>01/12/2014</a:t>
+              <a:pPr/>
+              <a:t>06/12/2014</a:t>
             </a:fld>
             <a:endParaRPr lang="fr-FR"/>
           </a:p>
@@ -3781,6 +3858,7 @@
           <a:p>
             <a:fld id="{9B8334CA-52B9-8B4B-AA0F-E9B48CBEA1E4}" type="slidenum">
               <a:rPr lang="fr-FR" smtClean="0"/>
+              <a:pPr/>
               <a:t>‹N°›</a:t>
             </a:fld>
             <a:endParaRPr lang="fr-FR"/>
@@ -4037,7 +4115,8 @@
           <a:p>
             <a:fld id="{B90A4B7D-106F-C147-BCBF-57A394B22041}" type="datetime1">
               <a:rPr lang="fr-FR" smtClean="0"/>
-              <a:t>01/12/2014</a:t>
+              <a:pPr/>
+              <a:t>06/12/2014</a:t>
             </a:fld>
             <a:endParaRPr lang="fr-FR"/>
           </a:p>
@@ -4115,6 +4194,7 @@
           <a:p>
             <a:fld id="{9B8334CA-52B9-8B4B-AA0F-E9B48CBEA1E4}" type="slidenum">
               <a:rPr lang="fr-FR" smtClean="0"/>
+              <a:pPr/>
               <a:t>‹N°›</a:t>
             </a:fld>
             <a:endParaRPr lang="fr-FR"/>
@@ -4465,15 +4545,7 @@
           <a:p>
             <a:r>
               <a:rPr lang="fr-FR" sz="3600" dirty="0" smtClean="0"/>
-              <a:t>Scilab </a:t>
-            </a:r>
-            <a:r>
-              <a:rPr lang="fr-FR" sz="3600" dirty="0" smtClean="0"/>
-              <a:t>– XCOS </a:t>
-            </a:r>
-            <a:r>
-              <a:rPr lang="fr-FR" sz="3600" dirty="0" smtClean="0"/>
-              <a:t>– Niveau 1</a:t>
+              <a:t>Scilab – XCOS – Niveau 1</a:t>
             </a:r>
             <a:br>
               <a:rPr lang="fr-FR" sz="3600" dirty="0" smtClean="0"/>
@@ -4572,19 +4644,19 @@
     </p:spTree>
     <p:extLst>
       <p:ext uri="{BB962C8B-B14F-4D97-AF65-F5344CB8AC3E}">
-        <p14:creationId xmlns:p14="http://schemas.microsoft.com/office/powerpoint/2010/main" val="3037635492"/>
+        <p14:creationId xmlns:p14="http://schemas.microsoft.com/office/powerpoint/2010/main" xmlns="" val="3037635492"/>
       </p:ext>
     </p:extLst>
   </p:cSld>
   <p:clrMapOvr>
     <a:masterClrMapping/>
   </p:clrMapOvr>
-  <mc:AlternateContent xmlns:mc="http://schemas.openxmlformats.org/markup-compatibility/2006" xmlns:p14="http://schemas.microsoft.com/office/powerpoint/2010/main">
-    <mc:Choice Requires="p14">
+  <mc:AlternateContent xmlns:mc="http://schemas.openxmlformats.org/markup-compatibility/2006">
+    <mc:Choice xmlns:p14="http://schemas.microsoft.com/office/powerpoint/2010/main" xmlns="" Requires="p14">
       <p:transition spd="slow" p14:dur="2000"/>
     </mc:Choice>
-    <mc:Fallback xmlns="">
-      <p:transition xmlns:p14="http://schemas.microsoft.com/office/powerpoint/2010/main" spd="slow"/>
+    <mc:Fallback>
+      <p:transition spd="slow"/>
     </mc:Fallback>
   </mc:AlternateContent>
   <p:timing>
@@ -4674,7 +4746,7 @@
           <a:blip r:embed="rId3">
             <a:extLst>
               <a:ext uri="{28A0092B-C50C-407E-A947-70E740481C1C}">
-                <a14:useLocalDpi xmlns:a14="http://schemas.microsoft.com/office/drawing/2010/main" val="0"/>
+                <a14:useLocalDpi xmlns:a14="http://schemas.microsoft.com/office/drawing/2010/main" xmlns="" val="0"/>
               </a:ext>
             </a:extLst>
           </a:blip>
@@ -4703,14 +4775,14 @@
           </a:effectLst>
           <a:extLst>
             <a:ext uri="{909E8E84-426E-40DD-AFC4-6F175D3DCCD1}">
-              <a14:hiddenFill xmlns:a14="http://schemas.microsoft.com/office/drawing/2010/main">
+              <a14:hiddenFill xmlns:a14="http://schemas.microsoft.com/office/drawing/2010/main" xmlns="">
                 <a:solidFill>
                   <a:schemeClr val="accent1"/>
                 </a:solidFill>
               </a14:hiddenFill>
             </a:ext>
             <a:ext uri="{91240B29-F687-4F45-9708-019B960494DF}">
-              <a14:hiddenLine xmlns:a14="http://schemas.microsoft.com/office/drawing/2010/main" w="9525">
+              <a14:hiddenLine xmlns:a14="http://schemas.microsoft.com/office/drawing/2010/main" xmlns="" w="9525">
                 <a:solidFill>
                   <a:schemeClr val="tx1"/>
                 </a:solidFill>
@@ -4734,7 +4806,7 @@
           <a:blip r:embed="rId4">
             <a:extLst>
               <a:ext uri="{28A0092B-C50C-407E-A947-70E740481C1C}">
-                <a14:useLocalDpi xmlns:a14="http://schemas.microsoft.com/office/drawing/2010/main" val="0"/>
+                <a14:useLocalDpi xmlns:a14="http://schemas.microsoft.com/office/drawing/2010/main" xmlns="" val="0"/>
               </a:ext>
             </a:extLst>
           </a:blip>
@@ -4758,14 +4830,14 @@
           <a:effectLst/>
           <a:extLst>
             <a:ext uri="{909E8E84-426E-40DD-AFC4-6F175D3DCCD1}">
-              <a14:hiddenFill xmlns:a14="http://schemas.microsoft.com/office/drawing/2010/main">
+              <a14:hiddenFill xmlns:a14="http://schemas.microsoft.com/office/drawing/2010/main" xmlns="">
                 <a:solidFill>
                   <a:schemeClr val="accent1"/>
                 </a:solidFill>
               </a14:hiddenFill>
             </a:ext>
             <a:ext uri="{91240B29-F687-4F45-9708-019B960494DF}">
-              <a14:hiddenLine xmlns:a14="http://schemas.microsoft.com/office/drawing/2010/main" w="9525">
+              <a14:hiddenLine xmlns:a14="http://schemas.microsoft.com/office/drawing/2010/main" xmlns="" w="9525">
                 <a:solidFill>
                   <a:schemeClr val="tx1"/>
                 </a:solidFill>
@@ -4775,7 +4847,7 @@
               </a14:hiddenLine>
             </a:ext>
             <a:ext uri="{AF507438-7753-43E0-B8FC-AC1667EBCBE1}">
-              <a14:hiddenEffects xmlns:a14="http://schemas.microsoft.com/office/drawing/2010/main">
+              <a14:hiddenEffects xmlns:a14="http://schemas.microsoft.com/office/drawing/2010/main" xmlns="">
                 <a:effectLst>
                   <a:outerShdw dist="35921" dir="2700000" algn="ctr" rotWithShape="0">
                     <a:schemeClr val="bg2"/>
@@ -4794,8 +4866,8 @@
         </p:nvSpPr>
         <p:spPr>
           <a:xfrm>
-            <a:off x="2277445" y="1363056"/>
-            <a:ext cx="1595622" cy="2116017"/>
+            <a:off x="2149519" y="1363056"/>
+            <a:ext cx="1723547" cy="2116017"/>
           </a:xfrm>
           <a:prstGeom prst="rect">
             <a:avLst/>
@@ -4841,8 +4913,8 @@
         </p:nvSpPr>
         <p:spPr>
           <a:xfrm>
-            <a:off x="3925820" y="1363056"/>
-            <a:ext cx="822026" cy="2116017"/>
+            <a:off x="4008945" y="1363056"/>
+            <a:ext cx="966816" cy="2116017"/>
           </a:xfrm>
           <a:prstGeom prst="rect">
             <a:avLst/>
@@ -4935,8 +5007,8 @@
         </p:nvSpPr>
         <p:spPr>
           <a:xfrm>
-            <a:off x="1058245" y="3775864"/>
-            <a:ext cx="3515188" cy="2139996"/>
+            <a:off x="2149519" y="3775864"/>
+            <a:ext cx="2423914" cy="2139996"/>
           </a:xfrm>
           <a:prstGeom prst="rect">
             <a:avLst/>
@@ -4983,7 +5055,7 @@
         <p:spPr>
           <a:xfrm>
             <a:off x="4723695" y="3775864"/>
-            <a:ext cx="822026" cy="1419560"/>
+            <a:ext cx="632076" cy="2139996"/>
           </a:xfrm>
           <a:prstGeom prst="rect">
             <a:avLst/>
@@ -5029,8 +5101,8 @@
         </p:nvSpPr>
         <p:spPr>
           <a:xfrm>
-            <a:off x="5647325" y="3775864"/>
-            <a:ext cx="2617443" cy="1419560"/>
+            <a:off x="5564201" y="3775864"/>
+            <a:ext cx="694098" cy="2139996"/>
           </a:xfrm>
           <a:prstGeom prst="rect">
             <a:avLst/>
@@ -5307,8 +5379,13 @@
           <a:p>
             <a:r>
               <a:rPr lang="fr-FR" sz="1600" dirty="0" smtClean="0"/>
-              <a:t>Domaine du génie électronique</a:t>
-            </a:r>
+              <a:t>Domaine du génie </a:t>
+            </a:r>
+            <a:r>
+              <a:rPr lang="fr-FR" sz="1600" dirty="0" smtClean="0"/>
+              <a:t>électrique</a:t>
+            </a:r>
+            <a:endParaRPr lang="fr-FR" sz="1600" dirty="0" smtClean="0"/>
           </a:p>
           <a:p>
             <a:r>
@@ -5321,7 +5398,6 @@
               <a:rPr lang="fr-FR" sz="1600" dirty="0" smtClean="0"/>
               <a:t>Domaine de la mécanique</a:t>
             </a:r>
-            <a:endParaRPr lang="fr-FR" sz="1600" dirty="0" smtClean="0"/>
           </a:p>
         </p:txBody>
       </p:sp>
@@ -5422,19 +5498,19 @@
     </p:spTree>
     <p:extLst>
       <p:ext uri="{BB962C8B-B14F-4D97-AF65-F5344CB8AC3E}">
-        <p14:creationId xmlns:p14="http://schemas.microsoft.com/office/powerpoint/2010/main" val="479222456"/>
+        <p14:creationId xmlns:p14="http://schemas.microsoft.com/office/powerpoint/2010/main" xmlns="" val="479222456"/>
       </p:ext>
     </p:extLst>
   </p:cSld>
   <p:clrMapOvr>
     <a:masterClrMapping/>
   </p:clrMapOvr>
-  <mc:AlternateContent xmlns:mc="http://schemas.openxmlformats.org/markup-compatibility/2006" xmlns:p14="http://schemas.microsoft.com/office/powerpoint/2010/main">
-    <mc:Choice Requires="p14">
+  <mc:AlternateContent xmlns:mc="http://schemas.openxmlformats.org/markup-compatibility/2006">
+    <mc:Choice xmlns:p14="http://schemas.microsoft.com/office/powerpoint/2010/main" xmlns="" Requires="p14">
       <p:transition spd="slow" p14:dur="2000"/>
     </mc:Choice>
-    <mc:Fallback xmlns="">
-      <p:transition xmlns:p14="http://schemas.microsoft.com/office/powerpoint/2010/main" spd="slow"/>
+    <mc:Fallback>
+      <p:transition spd="slow"/>
     </mc:Fallback>
   </mc:AlternateContent>
   <p:timing>
@@ -5481,7 +5557,15 @@
           <a:p>
             <a:r>
               <a:rPr lang="fr-FR" dirty="0" smtClean="0"/>
-              <a:t>Scilab – XCOS </a:t>
+              <a:t>Scilab – </a:t>
+            </a:r>
+            <a:r>
+              <a:rPr lang="fr-FR" dirty="0" err="1" smtClean="0"/>
+              <a:t>Xcos</a:t>
+            </a:r>
+            <a:r>
+              <a:rPr lang="fr-FR" dirty="0" smtClean="0"/>
+              <a:t> </a:t>
             </a:r>
             <a:endParaRPr lang="fr-FR" dirty="0"/>
           </a:p>
@@ -5588,9 +5672,18 @@
           <a:lstStyle/>
           <a:p>
             <a:r>
+              <a:rPr lang="fr-FR" dirty="0" err="1" smtClean="0"/>
+              <a:t>Scilab</a:t>
+            </a:r>
+            <a:r>
               <a:rPr lang="fr-FR" dirty="0" smtClean="0"/>
-              <a:t>Scilab-XCOS</a:t>
-            </a:r>
+              <a:t>-</a:t>
+            </a:r>
+            <a:r>
+              <a:rPr lang="fr-FR" dirty="0" err="1" smtClean="0"/>
+              <a:t>Xcos</a:t>
+            </a:r>
+            <a:endParaRPr lang="fr-FR" dirty="0" smtClean="0"/>
           </a:p>
           <a:p>
             <a:pPr lvl="1"/>
@@ -5602,15 +5695,32 @@
           <a:p>
             <a:pPr lvl="1"/>
             <a:r>
+              <a:rPr lang="fr-FR" dirty="0" err="1" smtClean="0"/>
+              <a:t>Xcos</a:t>
+            </a:r>
+            <a:r>
               <a:rPr lang="fr-FR" dirty="0" smtClean="0"/>
-              <a:t>XCOS est un module permettant de modéliser un système par bloc. </a:t>
-            </a:r>
-          </a:p>
-          <a:p>
+              <a:t> </a:t>
+            </a:r>
             <a:r>
               <a:rPr lang="fr-FR" dirty="0" smtClean="0"/>
-              <a:t>Application destinée à la formation :</a:t>
-            </a:r>
+              <a:t>est un module permettant de modéliser un système par </a:t>
+            </a:r>
+            <a:r>
+              <a:rPr lang="fr-FR" dirty="0" smtClean="0"/>
+              <a:t>un bloc</a:t>
+            </a:r>
+            <a:r>
+              <a:rPr lang="fr-FR" dirty="0" smtClean="0"/>
+              <a:t>. </a:t>
+            </a:r>
+          </a:p>
+          <a:p>
+            <a:r>
+              <a:rPr lang="fr-FR" dirty="0" smtClean="0"/>
+              <a:t>Initiation :</a:t>
+            </a:r>
+            <a:endParaRPr lang="fr-FR" dirty="0" smtClean="0"/>
           </a:p>
           <a:p>
             <a:pPr lvl="1"/>
@@ -5622,8 +5732,13 @@
           <a:p>
             <a:r>
               <a:rPr lang="fr-FR" dirty="0" smtClean="0"/>
-              <a:t>Applications pédagogiques proposées :</a:t>
-            </a:r>
+              <a:t>Applications pédagogiques </a:t>
+            </a:r>
+            <a:r>
+              <a:rPr lang="fr-FR" dirty="0" smtClean="0"/>
+              <a:t>:</a:t>
+            </a:r>
+            <a:endParaRPr lang="fr-FR" dirty="0" smtClean="0"/>
           </a:p>
           <a:p>
             <a:pPr lvl="1"/>
@@ -5664,8 +5779,13 @@
             <a:pPr lvl="1"/>
             <a:r>
               <a:rPr lang="fr-FR" dirty="0" smtClean="0"/>
-              <a:t>Portail TPSET</a:t>
-            </a:r>
+              <a:t>Portail </a:t>
+            </a:r>
+            <a:r>
+              <a:rPr lang="fr-FR" dirty="0" smtClean="0"/>
+              <a:t>SET</a:t>
+            </a:r>
+            <a:endParaRPr lang="fr-FR" dirty="0" smtClean="0"/>
           </a:p>
           <a:p>
             <a:pPr lvl="2"/>
@@ -5691,7 +5811,7 @@
           <a:blip r:embed="rId3">
             <a:extLst>
               <a:ext uri="{28A0092B-C50C-407E-A947-70E740481C1C}">
-                <a14:useLocalDpi xmlns:a14="http://schemas.microsoft.com/office/drawing/2010/main" val="0"/>
+                <a14:useLocalDpi xmlns:a14="http://schemas.microsoft.com/office/drawing/2010/main" xmlns="" val="0"/>
               </a:ext>
             </a:extLst>
           </a:blip>
@@ -5715,14 +5835,14 @@
           <a:effectLst/>
           <a:extLst>
             <a:ext uri="{909E8E84-426E-40DD-AFC4-6F175D3DCCD1}">
-              <a14:hiddenFill xmlns:a14="http://schemas.microsoft.com/office/drawing/2010/main">
+              <a14:hiddenFill xmlns:a14="http://schemas.microsoft.com/office/drawing/2010/main" xmlns="">
                 <a:solidFill>
                   <a:schemeClr val="accent1"/>
                 </a:solidFill>
               </a14:hiddenFill>
             </a:ext>
             <a:ext uri="{91240B29-F687-4F45-9708-019B960494DF}">
-              <a14:hiddenLine xmlns:a14="http://schemas.microsoft.com/office/drawing/2010/main" w="9525">
+              <a14:hiddenLine xmlns:a14="http://schemas.microsoft.com/office/drawing/2010/main" xmlns="" w="9525">
                 <a:solidFill>
                   <a:schemeClr val="tx1"/>
                 </a:solidFill>
@@ -5732,7 +5852,7 @@
               </a14:hiddenLine>
             </a:ext>
             <a:ext uri="{AF507438-7753-43E0-B8FC-AC1667EBCBE1}">
-              <a14:hiddenEffects xmlns:a14="http://schemas.microsoft.com/office/drawing/2010/main">
+              <a14:hiddenEffects xmlns:a14="http://schemas.microsoft.com/office/drawing/2010/main" xmlns="">
                 <a:effectLst>
                   <a:outerShdw dist="35921" dir="2700000" algn="ctr" rotWithShape="0">
                     <a:schemeClr val="bg2"/>
@@ -5753,7 +5873,7 @@
           <a:blip r:embed="rId4">
             <a:extLst>
               <a:ext uri="{28A0092B-C50C-407E-A947-70E740481C1C}">
-                <a14:useLocalDpi xmlns:a14="http://schemas.microsoft.com/office/drawing/2010/main" val="0"/>
+                <a14:useLocalDpi xmlns:a14="http://schemas.microsoft.com/office/drawing/2010/main" xmlns="" val="0"/>
               </a:ext>
             </a:extLst>
           </a:blip>
@@ -5776,7 +5896,7 @@
     </p:spTree>
     <p:extLst>
       <p:ext uri="{BB962C8B-B14F-4D97-AF65-F5344CB8AC3E}">
-        <p14:creationId xmlns:p14="http://schemas.microsoft.com/office/powerpoint/2010/main" val="2718835750"/>
+        <p14:creationId xmlns:p14="http://schemas.microsoft.com/office/powerpoint/2010/main" xmlns="" val="2718835750"/>
       </p:ext>
     </p:extLst>
   </p:cSld>
@@ -5844,7 +5964,7 @@
         </p:spPr>
         <p:txBody>
           <a:bodyPr>
-            <a:normAutofit fontScale="92500"/>
+            <a:normAutofit fontScale="92500" lnSpcReduction="10000"/>
           </a:bodyPr>
           <a:lstStyle/>
           <a:p>
@@ -5859,7 +5979,6 @@
               <a:rPr lang="fr-FR" dirty="0" smtClean="0"/>
               <a:t>Aucun prérequis n’est nécessaire</a:t>
             </a:r>
-            <a:endParaRPr lang="fr-FR" dirty="0" smtClean="0"/>
           </a:p>
           <a:p>
             <a:pPr lvl="1"/>
@@ -5875,7 +5994,6 @@
               <a:rPr lang="fr-FR" dirty="0" smtClean="0"/>
               <a:t> n’est nécessaire</a:t>
             </a:r>
-            <a:endParaRPr lang="fr-FR" dirty="0" smtClean="0"/>
           </a:p>
           <a:p>
             <a:r>
@@ -5884,11 +6002,28 @@
             </a:r>
             <a:r>
               <a:rPr lang="fr-FR" dirty="0" smtClean="0"/>
-              <a:t>logiciels </a:t>
+              <a:t>logiciels</a:t>
+            </a:r>
+          </a:p>
+          <a:p>
+            <a:pPr>
+              <a:buNone/>
+            </a:pPr>
+            <a:r>
+              <a:rPr lang="fr-FR" dirty="0" smtClean="0"/>
+              <a:t>	</a:t>
+            </a:r>
+            <a:r>
+              <a:rPr lang="fr-FR" dirty="0" smtClean="0"/>
+              <a:t>(</a:t>
             </a:r>
             <a:r>
               <a:rPr lang="fr-FR" sz="1600" b="1" dirty="0" smtClean="0"/>
-              <a:t>(dans le cas où le professeur voudrait assister à la formation avec son ordinateur personnel)</a:t>
+              <a:t>dans </a:t>
+            </a:r>
+            <a:r>
+              <a:rPr lang="fr-FR" sz="1600" b="1" dirty="0" smtClean="0"/>
+              <a:t>le cas où le professeur voudrait assister à la formation avec son ordinateur personnel)</a:t>
             </a:r>
             <a:endParaRPr lang="fr-FR" b="1" dirty="0" smtClean="0"/>
           </a:p>
@@ -5910,31 +6045,37 @@
             <a:pPr lvl="3"/>
             <a:r>
               <a:rPr lang="fr-FR" dirty="0" smtClean="0"/>
-              <a:t>Compilateur C (installable avec </a:t>
-            </a:r>
-            <a:r>
-              <a:rPr lang="fr-FR" dirty="0" err="1" smtClean="0"/>
-              <a:t>xcos</a:t>
+              <a:t>Compilateur </a:t>
             </a:r>
             <a:r>
               <a:rPr lang="fr-FR" dirty="0" smtClean="0"/>
-              <a:t> sur les ordinateurs en 32 bits)</a:t>
-            </a:r>
+              <a:t>C</a:t>
+            </a:r>
+            <a:endParaRPr lang="fr-FR" dirty="0" smtClean="0"/>
           </a:p>
           <a:p>
             <a:pPr lvl="3"/>
             <a:r>
               <a:rPr lang="fr-FR" dirty="0" smtClean="0"/>
-              <a:t>Modules CPGE et SIMM</a:t>
-            </a:r>
-          </a:p>
-          <a:p>
-            <a:pPr lvl="3"/>
+              <a:t>Modules CPGE et </a:t>
+            </a:r>
             <a:r>
               <a:rPr lang="fr-FR" dirty="0" smtClean="0"/>
-              <a:t>Pour vérifier que l’installation est fonctionnelle, s’adresser aux formateurs avant la formation. </a:t>
-            </a:r>
-            <a:endParaRPr lang="fr-FR" dirty="0" smtClean="0"/>
+              <a:t>SIMM</a:t>
+            </a:r>
+          </a:p>
+          <a:p>
+            <a:pPr lvl="3">
+              <a:buNone/>
+            </a:pPr>
+            <a:r>
+              <a:rPr lang="fr-FR" b="1" dirty="0" smtClean="0"/>
+              <a:t>Pour </a:t>
+            </a:r>
+            <a:r>
+              <a:rPr lang="fr-FR" b="1" dirty="0" smtClean="0"/>
+              <a:t>vérifier que l’installation est fonctionnelle, s’adresser aux formateurs avant la formation. </a:t>
+            </a:r>
           </a:p>
           <a:p>
             <a:pPr lvl="1"/>
@@ -6016,7 +6157,7 @@
     </p:spTree>
     <p:extLst>
       <p:ext uri="{BB962C8B-B14F-4D97-AF65-F5344CB8AC3E}">
-        <p14:creationId xmlns:p14="http://schemas.microsoft.com/office/powerpoint/2010/main" val="2248875390"/>
+        <p14:creationId xmlns:p14="http://schemas.microsoft.com/office/powerpoint/2010/main" xmlns="" val="2248875390"/>
       </p:ext>
     </p:extLst>
   </p:cSld>
